--- a/stimuli/restaurants.pptx
+++ b/stimuli/restaurants.pptx
@@ -5,15 +5,16 @@
     <p:sldMasterId id="2147483648" r:id="rId1"/>
   </p:sldMasterIdLst>
   <p:notesMasterIdLst>
-    <p:notesMasterId r:id="rId8"/>
+    <p:notesMasterId r:id="rId9"/>
   </p:notesMasterIdLst>
   <p:sldIdLst>
     <p:sldId id="259" r:id="rId2"/>
     <p:sldId id="256" r:id="rId3"/>
-    <p:sldId id="260" r:id="rId4"/>
-    <p:sldId id="262" r:id="rId5"/>
-    <p:sldId id="263" r:id="rId6"/>
-    <p:sldId id="258" r:id="rId7"/>
+    <p:sldId id="264" r:id="rId4"/>
+    <p:sldId id="260" r:id="rId5"/>
+    <p:sldId id="262" r:id="rId6"/>
+    <p:sldId id="263" r:id="rId7"/>
+    <p:sldId id="258" r:id="rId8"/>
   </p:sldIdLst>
   <p:sldSz cx="9144000" cy="6858000" type="screen4x3"/>
   <p:notesSz cx="6858000" cy="9144000"/>
@@ -197,7 +198,7 @@
           <a:p>
             <a:fld id="{533EA7E7-8E12-1B45-9314-A16998A8D00C}" type="datetimeFigureOut">
               <a:rPr lang="en-US" smtClean="0"/>
-              <a:t>5/16/17</a:t>
+              <a:t>5/18/17</a:t>
             </a:fld>
             <a:endParaRPr lang="en-US"/>
           </a:p>
@@ -698,7 +699,7 @@
           <a:p>
             <a:fld id="{9952DF02-35EC-0344-BA09-7CBFB383CA14}" type="slidenum">
               <a:rPr lang="en-US" smtClean="0"/>
-              <a:t>4</a:t>
+              <a:t>3</a:t>
             </a:fld>
             <a:endParaRPr lang="en-US"/>
           </a:p>
@@ -782,7 +783,91 @@
           <a:p>
             <a:fld id="{9952DF02-35EC-0344-BA09-7CBFB383CA14}" type="slidenum">
               <a:rPr lang="en-US" smtClean="0"/>
-              <a:t>6</a:t>
+              <a:t>5</a:t>
+            </a:fld>
+            <a:endParaRPr lang="en-US"/>
+          </a:p>
+        </p:txBody>
+      </p:sp>
+    </p:spTree>
+    <p:extLst>
+      <p:ext uri="{BB962C8B-B14F-4D97-AF65-F5344CB8AC3E}">
+        <p14:creationId xmlns:p14="http://schemas.microsoft.com/office/powerpoint/2010/main" val="1901225318"/>
+      </p:ext>
+    </p:extLst>
+  </p:cSld>
+  <p:clrMapOvr>
+    <a:masterClrMapping/>
+  </p:clrMapOvr>
+</p:notes>
+</file>
+
+<file path=ppt/notesSlides/notesSlide5.xml><?xml version="1.0" encoding="utf-8"?>
+<p:notes xmlns:a="http://schemas.openxmlformats.org/drawingml/2006/main" xmlns:r="http://schemas.openxmlformats.org/officeDocument/2006/relationships" xmlns:p="http://schemas.openxmlformats.org/presentationml/2006/main">
+  <p:cSld>
+    <p:spTree>
+      <p:nvGrpSpPr>
+        <p:cNvPr id="1" name=""/>
+        <p:cNvGrpSpPr/>
+        <p:nvPr/>
+      </p:nvGrpSpPr>
+      <p:grpSpPr>
+        <a:xfrm>
+          <a:off x="0" y="0"/>
+          <a:ext cx="0" cy="0"/>
+          <a:chOff x="0" y="0"/>
+          <a:chExt cx="0" cy="0"/>
+        </a:xfrm>
+      </p:grpSpPr>
+      <p:sp>
+        <p:nvSpPr>
+          <p:cNvPr id="2" name="Slide Image Placeholder 1"/>
+          <p:cNvSpPr>
+            <a:spLocks noGrp="1" noRot="1" noChangeAspect="1"/>
+          </p:cNvSpPr>
+          <p:nvPr>
+            <p:ph type="sldImg"/>
+          </p:nvPr>
+        </p:nvSpPr>
+        <p:spPr/>
+      </p:sp>
+      <p:sp>
+        <p:nvSpPr>
+          <p:cNvPr id="3" name="Notes Placeholder 2"/>
+          <p:cNvSpPr>
+            <a:spLocks noGrp="1"/>
+          </p:cNvSpPr>
+          <p:nvPr>
+            <p:ph type="body" idx="1"/>
+          </p:nvPr>
+        </p:nvSpPr>
+        <p:spPr/>
+        <p:txBody>
+          <a:bodyPr/>
+          <a:lstStyle/>
+          <a:p>
+            <a:endParaRPr lang="en-US" dirty="0"/>
+          </a:p>
+        </p:txBody>
+      </p:sp>
+      <p:sp>
+        <p:nvSpPr>
+          <p:cNvPr id="4" name="Slide Number Placeholder 3"/>
+          <p:cNvSpPr>
+            <a:spLocks noGrp="1"/>
+          </p:cNvSpPr>
+          <p:nvPr>
+            <p:ph type="sldNum" sz="quarter" idx="10"/>
+          </p:nvPr>
+        </p:nvSpPr>
+        <p:spPr/>
+        <p:txBody>
+          <a:bodyPr/>
+          <a:lstStyle/>
+          <a:p>
+            <a:fld id="{9952DF02-35EC-0344-BA09-7CBFB383CA14}" type="slidenum">
+              <a:rPr lang="en-US" smtClean="0"/>
+              <a:t>7</a:t>
             </a:fld>
             <a:endParaRPr lang="en-US"/>
           </a:p>
@@ -982,7 +1067,7 @@
           <a:p>
             <a:fld id="{1ED16C1C-AF13-7343-96EF-AF74167494CA}" type="datetimeFigureOut">
               <a:rPr lang="en-US" smtClean="0"/>
-              <a:t>5/16/17</a:t>
+              <a:t>5/18/17</a:t>
             </a:fld>
             <a:endParaRPr lang="en-US"/>
           </a:p>
@@ -1152,7 +1237,7 @@
           <a:p>
             <a:fld id="{1ED16C1C-AF13-7343-96EF-AF74167494CA}" type="datetimeFigureOut">
               <a:rPr lang="en-US" smtClean="0"/>
-              <a:t>5/16/17</a:t>
+              <a:t>5/18/17</a:t>
             </a:fld>
             <a:endParaRPr lang="en-US"/>
           </a:p>
@@ -1332,7 +1417,7 @@
           <a:p>
             <a:fld id="{1ED16C1C-AF13-7343-96EF-AF74167494CA}" type="datetimeFigureOut">
               <a:rPr lang="en-US" smtClean="0"/>
-              <a:t>5/16/17</a:t>
+              <a:t>5/18/17</a:t>
             </a:fld>
             <a:endParaRPr lang="en-US"/>
           </a:p>
@@ -1502,7 +1587,7 @@
           <a:p>
             <a:fld id="{1ED16C1C-AF13-7343-96EF-AF74167494CA}" type="datetimeFigureOut">
               <a:rPr lang="en-US" smtClean="0"/>
-              <a:t>5/16/17</a:t>
+              <a:t>5/18/17</a:t>
             </a:fld>
             <a:endParaRPr lang="en-US"/>
           </a:p>
@@ -1748,7 +1833,7 @@
           <a:p>
             <a:fld id="{1ED16C1C-AF13-7343-96EF-AF74167494CA}" type="datetimeFigureOut">
               <a:rPr lang="en-US" smtClean="0"/>
-              <a:t>5/16/17</a:t>
+              <a:t>5/18/17</a:t>
             </a:fld>
             <a:endParaRPr lang="en-US"/>
           </a:p>
@@ -2036,7 +2121,7 @@
           <a:p>
             <a:fld id="{1ED16C1C-AF13-7343-96EF-AF74167494CA}" type="datetimeFigureOut">
               <a:rPr lang="en-US" smtClean="0"/>
-              <a:t>5/16/17</a:t>
+              <a:t>5/18/17</a:t>
             </a:fld>
             <a:endParaRPr lang="en-US"/>
           </a:p>
@@ -2458,7 +2543,7 @@
           <a:p>
             <a:fld id="{1ED16C1C-AF13-7343-96EF-AF74167494CA}" type="datetimeFigureOut">
               <a:rPr lang="en-US" smtClean="0"/>
-              <a:t>5/16/17</a:t>
+              <a:t>5/18/17</a:t>
             </a:fld>
             <a:endParaRPr lang="en-US"/>
           </a:p>
@@ -2576,7 +2661,7 @@
           <a:p>
             <a:fld id="{1ED16C1C-AF13-7343-96EF-AF74167494CA}" type="datetimeFigureOut">
               <a:rPr lang="en-US" smtClean="0"/>
-              <a:t>5/16/17</a:t>
+              <a:t>5/18/17</a:t>
             </a:fld>
             <a:endParaRPr lang="en-US"/>
           </a:p>
@@ -2671,7 +2756,7 @@
           <a:p>
             <a:fld id="{1ED16C1C-AF13-7343-96EF-AF74167494CA}" type="datetimeFigureOut">
               <a:rPr lang="en-US" smtClean="0"/>
-              <a:t>5/16/17</a:t>
+              <a:t>5/18/17</a:t>
             </a:fld>
             <a:endParaRPr lang="en-US"/>
           </a:p>
@@ -2948,7 +3033,7 @@
           <a:p>
             <a:fld id="{1ED16C1C-AF13-7343-96EF-AF74167494CA}" type="datetimeFigureOut">
               <a:rPr lang="en-US" smtClean="0"/>
-              <a:t>5/16/17</a:t>
+              <a:t>5/18/17</a:t>
             </a:fld>
             <a:endParaRPr lang="en-US"/>
           </a:p>
@@ -3201,7 +3286,7 @@
           <a:p>
             <a:fld id="{1ED16C1C-AF13-7343-96EF-AF74167494CA}" type="datetimeFigureOut">
               <a:rPr lang="en-US" smtClean="0"/>
-              <a:t>5/16/17</a:t>
+              <a:t>5/18/17</a:t>
             </a:fld>
             <a:endParaRPr lang="en-US"/>
           </a:p>
@@ -3414,7 +3499,7 @@
           <a:p>
             <a:fld id="{1ED16C1C-AF13-7343-96EF-AF74167494CA}" type="datetimeFigureOut">
               <a:rPr lang="en-US" smtClean="0"/>
-              <a:t>5/16/17</a:t>
+              <a:t>5/18/17</a:t>
             </a:fld>
             <a:endParaRPr lang="en-US"/>
           </a:p>
@@ -4227,1173 +4312,1158 @@
           </p:txBody>
         </p:sp>
       </p:grpSp>
-      <p:grpSp>
-        <p:nvGrpSpPr>
-          <p:cNvPr id="4" name="Group 3"/>
-          <p:cNvGrpSpPr/>
+      <p:sp>
+        <p:nvSpPr>
+          <p:cNvPr id="209" name="Rectangle 208"/>
+          <p:cNvSpPr/>
           <p:nvPr/>
-        </p:nvGrpSpPr>
-        <p:grpSpPr>
+        </p:nvSpPr>
+        <p:spPr>
+          <a:xfrm>
+            <a:off x="5043459" y="4289625"/>
+            <a:ext cx="45719" cy="190739"/>
+          </a:xfrm>
+          <a:prstGeom prst="rect">
+            <a:avLst/>
+          </a:prstGeom>
+        </p:spPr>
+        <p:style>
+          <a:lnRef idx="2">
+            <a:schemeClr val="dk1">
+              <a:shade val="50000"/>
+            </a:schemeClr>
+          </a:lnRef>
+          <a:fillRef idx="1">
+            <a:schemeClr val="dk1"/>
+          </a:fillRef>
+          <a:effectRef idx="0">
+            <a:schemeClr val="dk1"/>
+          </a:effectRef>
+          <a:fontRef idx="minor">
+            <a:schemeClr val="lt1"/>
+          </a:fontRef>
+        </p:style>
+        <p:txBody>
+          <a:bodyPr rtlCol="0" anchor="ctr"/>
+          <a:lstStyle/>
+          <a:p>
+            <a:pPr algn="ctr"/>
+            <a:endParaRPr lang="en-US"/>
+          </a:p>
+        </p:txBody>
+      </p:sp>
+      <p:sp>
+        <p:nvSpPr>
+          <p:cNvPr id="210" name="Rectangle 209"/>
+          <p:cNvSpPr/>
+          <p:nvPr/>
+        </p:nvSpPr>
+        <p:spPr>
+          <a:xfrm>
+            <a:off x="8111779" y="4305500"/>
+            <a:ext cx="45719" cy="190739"/>
+          </a:xfrm>
+          <a:prstGeom prst="rect">
+            <a:avLst/>
+          </a:prstGeom>
+        </p:spPr>
+        <p:style>
+          <a:lnRef idx="2">
+            <a:schemeClr val="dk1">
+              <a:shade val="50000"/>
+            </a:schemeClr>
+          </a:lnRef>
+          <a:fillRef idx="1">
+            <a:schemeClr val="dk1"/>
+          </a:fillRef>
+          <a:effectRef idx="0">
+            <a:schemeClr val="dk1"/>
+          </a:effectRef>
+          <a:fontRef idx="minor">
+            <a:schemeClr val="lt1"/>
+          </a:fontRef>
+        </p:style>
+        <p:txBody>
+          <a:bodyPr rtlCol="0" anchor="ctr"/>
+          <a:lstStyle/>
+          <a:p>
+            <a:pPr algn="ctr"/>
+            <a:endParaRPr lang="en-US"/>
+          </a:p>
+        </p:txBody>
+      </p:sp>
+      <p:sp>
+        <p:nvSpPr>
+          <p:cNvPr id="211" name="Rectangle 210"/>
+          <p:cNvSpPr/>
+          <p:nvPr/>
+        </p:nvSpPr>
+        <p:spPr>
           <a:xfrm>
             <a:off x="4894806" y="3718125"/>
-            <a:ext cx="3383280" cy="2945746"/>
-            <a:chOff x="4894806" y="3718125"/>
-            <a:chExt cx="3383280" cy="2945746"/>
+            <a:ext cx="3383280" cy="587375"/>
           </a:xfrm>
-        </p:grpSpPr>
-        <p:sp>
-          <p:nvSpPr>
-            <p:cNvPr id="209" name="Rectangle 208"/>
-            <p:cNvSpPr/>
-            <p:nvPr/>
-          </p:nvSpPr>
-          <p:spPr>
-            <a:xfrm>
-              <a:off x="5043459" y="4289625"/>
-              <a:ext cx="45719" cy="190739"/>
-            </a:xfrm>
-            <a:prstGeom prst="rect">
-              <a:avLst/>
-            </a:prstGeom>
-          </p:spPr>
-          <p:style>
-            <a:lnRef idx="2">
-              <a:schemeClr val="dk1">
-                <a:shade val="50000"/>
-              </a:schemeClr>
-            </a:lnRef>
-            <a:fillRef idx="1">
-              <a:schemeClr val="dk1"/>
-            </a:fillRef>
-            <a:effectRef idx="0">
-              <a:schemeClr val="dk1"/>
-            </a:effectRef>
-            <a:fontRef idx="minor">
-              <a:schemeClr val="lt1"/>
-            </a:fontRef>
-          </p:style>
-          <p:txBody>
-            <a:bodyPr rtlCol="0" anchor="ctr"/>
-            <a:lstStyle/>
-            <a:p>
-              <a:pPr algn="ctr"/>
-              <a:endParaRPr lang="en-US"/>
-            </a:p>
-          </p:txBody>
-        </p:sp>
-        <p:sp>
-          <p:nvSpPr>
-            <p:cNvPr id="210" name="Rectangle 209"/>
-            <p:cNvSpPr/>
-            <p:nvPr/>
-          </p:nvSpPr>
-          <p:spPr>
-            <a:xfrm>
-              <a:off x="8111779" y="4305500"/>
-              <a:ext cx="45719" cy="190739"/>
-            </a:xfrm>
-            <a:prstGeom prst="rect">
-              <a:avLst/>
-            </a:prstGeom>
-          </p:spPr>
-          <p:style>
-            <a:lnRef idx="2">
-              <a:schemeClr val="dk1">
-                <a:shade val="50000"/>
-              </a:schemeClr>
-            </a:lnRef>
-            <a:fillRef idx="1">
-              <a:schemeClr val="dk1"/>
-            </a:fillRef>
-            <a:effectRef idx="0">
-              <a:schemeClr val="dk1"/>
-            </a:effectRef>
-            <a:fontRef idx="minor">
-              <a:schemeClr val="lt1"/>
-            </a:fontRef>
-          </p:style>
-          <p:txBody>
-            <a:bodyPr rtlCol="0" anchor="ctr"/>
-            <a:lstStyle/>
-            <a:p>
-              <a:pPr algn="ctr"/>
-              <a:endParaRPr lang="en-US"/>
-            </a:p>
-          </p:txBody>
-        </p:sp>
-        <p:sp>
-          <p:nvSpPr>
-            <p:cNvPr id="211" name="Rectangle 210"/>
-            <p:cNvSpPr/>
-            <p:nvPr/>
-          </p:nvSpPr>
-          <p:spPr>
-            <a:xfrm>
-              <a:off x="4894806" y="3718125"/>
-              <a:ext cx="3383280" cy="587375"/>
-            </a:xfrm>
-            <a:prstGeom prst="rect">
-              <a:avLst/>
-            </a:prstGeom>
-          </p:spPr>
-          <p:style>
-            <a:lnRef idx="2">
-              <a:schemeClr val="dk1"/>
-            </a:lnRef>
-            <a:fillRef idx="1">
-              <a:schemeClr val="lt1"/>
-            </a:fillRef>
-            <a:effectRef idx="0">
-              <a:schemeClr val="dk1"/>
-            </a:effectRef>
-            <a:fontRef idx="minor">
-              <a:schemeClr val="dk1"/>
-            </a:fontRef>
-          </p:style>
-          <p:txBody>
-            <a:bodyPr rtlCol="0" anchor="ctr"/>
-            <a:lstStyle/>
-            <a:p>
-              <a:pPr algn="ctr"/>
-              <a:r>
-                <a:rPr lang="en-US" sz="3200" b="1" dirty="0" smtClean="0">
-                  <a:latin typeface="Avenir Black"/>
-                  <a:cs typeface="Avenir Black"/>
-                </a:rPr>
-                <a:t>Pasta Plaza</a:t>
-              </a:r>
-              <a:endParaRPr lang="en-US" sz="3200" b="1" dirty="0">
+          <a:prstGeom prst="rect">
+            <a:avLst/>
+          </a:prstGeom>
+        </p:spPr>
+        <p:style>
+          <a:lnRef idx="2">
+            <a:schemeClr val="dk1"/>
+          </a:lnRef>
+          <a:fillRef idx="1">
+            <a:schemeClr val="lt1"/>
+          </a:fillRef>
+          <a:effectRef idx="0">
+            <a:schemeClr val="dk1"/>
+          </a:effectRef>
+          <a:fontRef idx="minor">
+            <a:schemeClr val="dk1"/>
+          </a:fontRef>
+        </p:style>
+        <p:txBody>
+          <a:bodyPr rtlCol="0" anchor="ctr"/>
+          <a:lstStyle/>
+          <a:p>
+            <a:pPr algn="ctr"/>
+            <a:r>
+              <a:rPr lang="en-US" sz="3200" b="1" dirty="0" smtClean="0">
                 <a:latin typeface="Avenir Black"/>
                 <a:cs typeface="Avenir Black"/>
-              </a:endParaRPr>
-            </a:p>
-          </p:txBody>
-        </p:sp>
-        <p:sp>
-          <p:nvSpPr>
-            <p:cNvPr id="212" name="Rectangle 211"/>
-            <p:cNvSpPr/>
-            <p:nvPr/>
-          </p:nvSpPr>
-          <p:spPr>
-            <a:xfrm>
-              <a:off x="4894806" y="4480364"/>
-              <a:ext cx="3383280" cy="2172367"/>
-            </a:xfrm>
-            <a:prstGeom prst="rect">
-              <a:avLst/>
-            </a:prstGeom>
-            <a:ln/>
-          </p:spPr>
-          <p:style>
-            <a:lnRef idx="2">
-              <a:schemeClr val="dk1"/>
-            </a:lnRef>
-            <a:fillRef idx="1">
-              <a:schemeClr val="lt1"/>
-            </a:fillRef>
-            <a:effectRef idx="0">
-              <a:schemeClr val="dk1"/>
-            </a:effectRef>
-            <a:fontRef idx="minor">
-              <a:schemeClr val="dk1"/>
-            </a:fontRef>
-          </p:style>
-          <p:txBody>
-            <a:bodyPr rtlCol="0" anchor="ctr"/>
-            <a:lstStyle/>
-            <a:p>
-              <a:pPr algn="ctr"/>
-              <a:endParaRPr lang="en-US"/>
-            </a:p>
-          </p:txBody>
-        </p:sp>
-        <p:sp>
-          <p:nvSpPr>
-            <p:cNvPr id="213" name="Rectangle 212"/>
-            <p:cNvSpPr/>
-            <p:nvPr/>
-          </p:nvSpPr>
-          <p:spPr>
-            <a:xfrm>
-              <a:off x="6817950" y="5484586"/>
-              <a:ext cx="762000" cy="1179285"/>
-            </a:xfrm>
-            <a:prstGeom prst="rect">
-              <a:avLst/>
-            </a:prstGeom>
+              </a:rPr>
+              <a:t>Pasta Plaza</a:t>
+            </a:r>
+            <a:endParaRPr lang="en-US" sz="3200" b="1" dirty="0">
+              <a:latin typeface="Avenir Black"/>
+              <a:cs typeface="Avenir Black"/>
+            </a:endParaRPr>
+          </a:p>
+        </p:txBody>
+      </p:sp>
+      <p:sp>
+        <p:nvSpPr>
+          <p:cNvPr id="212" name="Rectangle 211"/>
+          <p:cNvSpPr/>
+          <p:nvPr/>
+        </p:nvSpPr>
+        <p:spPr>
+          <a:xfrm>
+            <a:off x="4894806" y="4480364"/>
+            <a:ext cx="3383280" cy="2172367"/>
+          </a:xfrm>
+          <a:prstGeom prst="rect">
+            <a:avLst/>
+          </a:prstGeom>
+          <a:ln/>
+        </p:spPr>
+        <p:style>
+          <a:lnRef idx="2">
+            <a:schemeClr val="dk1"/>
+          </a:lnRef>
+          <a:fillRef idx="1">
+            <a:schemeClr val="lt1"/>
+          </a:fillRef>
+          <a:effectRef idx="0">
+            <a:schemeClr val="dk1"/>
+          </a:effectRef>
+          <a:fontRef idx="minor">
+            <a:schemeClr val="dk1"/>
+          </a:fontRef>
+        </p:style>
+        <p:txBody>
+          <a:bodyPr rtlCol="0" anchor="ctr"/>
+          <a:lstStyle/>
+          <a:p>
+            <a:pPr algn="ctr"/>
+            <a:endParaRPr lang="en-US"/>
+          </a:p>
+        </p:txBody>
+      </p:sp>
+      <p:sp>
+        <p:nvSpPr>
+          <p:cNvPr id="213" name="Rectangle 212"/>
+          <p:cNvSpPr/>
+          <p:nvPr/>
+        </p:nvSpPr>
+        <p:spPr>
+          <a:xfrm>
+            <a:off x="6817950" y="5484586"/>
+            <a:ext cx="762000" cy="1179285"/>
+          </a:xfrm>
+          <a:prstGeom prst="rect">
+            <a:avLst/>
+          </a:prstGeom>
+          <a:solidFill>
+            <a:schemeClr val="accent1">
+              <a:lumMod val="20000"/>
+              <a:lumOff val="80000"/>
+            </a:schemeClr>
+          </a:solidFill>
+          <a:ln>
             <a:solidFill>
               <a:schemeClr val="accent1">
-                <a:lumMod val="20000"/>
-                <a:lumOff val="80000"/>
+                <a:lumMod val="60000"/>
+                <a:lumOff val="40000"/>
               </a:schemeClr>
             </a:solidFill>
-            <a:ln>
-              <a:solidFill>
-                <a:schemeClr val="accent1">
-                  <a:lumMod val="60000"/>
-                  <a:lumOff val="40000"/>
-                </a:schemeClr>
-              </a:solidFill>
-            </a:ln>
-          </p:spPr>
-          <p:style>
-            <a:lnRef idx="2">
-              <a:schemeClr val="dk1"/>
-            </a:lnRef>
-            <a:fillRef idx="1">
-              <a:schemeClr val="lt1"/>
-            </a:fillRef>
-            <a:effectRef idx="0">
-              <a:schemeClr val="dk1"/>
-            </a:effectRef>
-            <a:fontRef idx="minor">
-              <a:schemeClr val="dk1"/>
-            </a:fontRef>
-          </p:style>
-          <p:txBody>
-            <a:bodyPr rtlCol="0" anchor="ctr"/>
-            <a:lstStyle/>
-            <a:p>
-              <a:pPr algn="ctr"/>
-              <a:endParaRPr lang="en-US"/>
-            </a:p>
-          </p:txBody>
-        </p:sp>
-        <p:sp>
-          <p:nvSpPr>
-            <p:cNvPr id="214" name="Rectangle 213"/>
-            <p:cNvSpPr/>
-            <p:nvPr/>
-          </p:nvSpPr>
-          <p:spPr>
-            <a:xfrm>
-              <a:off x="5137921" y="5473447"/>
-              <a:ext cx="1444172" cy="925286"/>
-            </a:xfrm>
-            <a:prstGeom prst="rect">
-              <a:avLst/>
-            </a:prstGeom>
+          </a:ln>
+        </p:spPr>
+        <p:style>
+          <a:lnRef idx="2">
+            <a:schemeClr val="dk1"/>
+          </a:lnRef>
+          <a:fillRef idx="1">
+            <a:schemeClr val="lt1"/>
+          </a:fillRef>
+          <a:effectRef idx="0">
+            <a:schemeClr val="dk1"/>
+          </a:effectRef>
+          <a:fontRef idx="minor">
+            <a:schemeClr val="dk1"/>
+          </a:fontRef>
+        </p:style>
+        <p:txBody>
+          <a:bodyPr rtlCol="0" anchor="ctr"/>
+          <a:lstStyle/>
+          <a:p>
+            <a:pPr algn="ctr"/>
+            <a:endParaRPr lang="en-US"/>
+          </a:p>
+        </p:txBody>
+      </p:sp>
+      <p:sp>
+        <p:nvSpPr>
+          <p:cNvPr id="214" name="Rectangle 213"/>
+          <p:cNvSpPr/>
+          <p:nvPr/>
+        </p:nvSpPr>
+        <p:spPr>
+          <a:xfrm>
+            <a:off x="5137921" y="5473447"/>
+            <a:ext cx="1444172" cy="925286"/>
+          </a:xfrm>
+          <a:prstGeom prst="rect">
+            <a:avLst/>
+          </a:prstGeom>
+          <a:solidFill>
+            <a:schemeClr val="accent1">
+              <a:lumMod val="20000"/>
+              <a:lumOff val="80000"/>
+            </a:schemeClr>
+          </a:solidFill>
+          <a:ln w="38100" cmpd="sng">
             <a:solidFill>
               <a:schemeClr val="accent1">
-                <a:lumMod val="20000"/>
-                <a:lumOff val="80000"/>
+                <a:lumMod val="60000"/>
+                <a:lumOff val="40000"/>
               </a:schemeClr>
             </a:solidFill>
-            <a:ln w="38100" cmpd="sng">
-              <a:solidFill>
-                <a:schemeClr val="accent1">
-                  <a:lumMod val="60000"/>
-                  <a:lumOff val="40000"/>
-                </a:schemeClr>
-              </a:solidFill>
-            </a:ln>
-          </p:spPr>
-          <p:style>
-            <a:lnRef idx="2">
-              <a:schemeClr val="dk1"/>
-            </a:lnRef>
-            <a:fillRef idx="1">
-              <a:schemeClr val="lt1"/>
-            </a:fillRef>
-            <a:effectRef idx="0">
-              <a:schemeClr val="dk1"/>
-            </a:effectRef>
-            <a:fontRef idx="minor">
-              <a:schemeClr val="dk1"/>
-            </a:fontRef>
-          </p:style>
-          <p:txBody>
-            <a:bodyPr rtlCol="0" anchor="ctr"/>
-            <a:lstStyle/>
-            <a:p>
-              <a:pPr algn="ctr"/>
-              <a:endParaRPr lang="en-US"/>
-            </a:p>
-          </p:txBody>
-        </p:sp>
-        <p:sp>
-          <p:nvSpPr>
-            <p:cNvPr id="215" name="Rounded Rectangle 17"/>
-            <p:cNvSpPr/>
-            <p:nvPr/>
-          </p:nvSpPr>
-          <p:spPr>
-            <a:xfrm flipH="1">
-              <a:off x="4894806" y="4496239"/>
-              <a:ext cx="338328" cy="788337"/>
-            </a:xfrm>
-            <a:custGeom>
-              <a:avLst/>
-              <a:gdLst/>
-              <a:ahLst/>
-              <a:cxnLst/>
-              <a:rect l="l" t="t" r="r" b="b"/>
-              <a:pathLst>
-                <a:path w="338328" h="788337">
-                  <a:moveTo>
-                    <a:pt x="0" y="0"/>
-                  </a:moveTo>
-                  <a:lnTo>
-                    <a:pt x="338328" y="0"/>
-                  </a:lnTo>
-                  <a:lnTo>
-                    <a:pt x="338328" y="629529"/>
-                  </a:lnTo>
-                  <a:cubicBezTo>
-                    <a:pt x="338328" y="717236"/>
-                    <a:pt x="267227" y="788337"/>
-                    <a:pt x="179520" y="788337"/>
-                  </a:cubicBezTo>
-                  <a:lnTo>
-                    <a:pt x="158808" y="788337"/>
-                  </a:lnTo>
-                  <a:cubicBezTo>
-                    <a:pt x="71101" y="788337"/>
-                    <a:pt x="0" y="717236"/>
-                    <a:pt x="0" y="629529"/>
-                  </a:cubicBezTo>
-                  <a:close/>
-                </a:path>
-              </a:pathLst>
-            </a:custGeom>
+          </a:ln>
+        </p:spPr>
+        <p:style>
+          <a:lnRef idx="2">
+            <a:schemeClr val="dk1"/>
+          </a:lnRef>
+          <a:fillRef idx="1">
+            <a:schemeClr val="lt1"/>
+          </a:fillRef>
+          <a:effectRef idx="0">
+            <a:schemeClr val="dk1"/>
+          </a:effectRef>
+          <a:fontRef idx="minor">
+            <a:schemeClr val="dk1"/>
+          </a:fontRef>
+        </p:style>
+        <p:txBody>
+          <a:bodyPr rtlCol="0" anchor="ctr"/>
+          <a:lstStyle/>
+          <a:p>
+            <a:pPr algn="ctr"/>
+            <a:endParaRPr lang="en-US"/>
+          </a:p>
+        </p:txBody>
+      </p:sp>
+      <p:sp>
+        <p:nvSpPr>
+          <p:cNvPr id="215" name="Rounded Rectangle 17"/>
+          <p:cNvSpPr/>
+          <p:nvPr/>
+        </p:nvSpPr>
+        <p:spPr>
+          <a:xfrm flipH="1">
+            <a:off x="4894806" y="4496239"/>
+            <a:ext cx="338328" cy="788337"/>
+          </a:xfrm>
+          <a:custGeom>
+            <a:avLst/>
+            <a:gdLst/>
+            <a:ahLst/>
+            <a:cxnLst/>
+            <a:rect l="l" t="t" r="r" b="b"/>
+            <a:pathLst>
+              <a:path w="338328" h="788337">
+                <a:moveTo>
+                  <a:pt x="0" y="0"/>
+                </a:moveTo>
+                <a:lnTo>
+                  <a:pt x="338328" y="0"/>
+                </a:lnTo>
+                <a:lnTo>
+                  <a:pt x="338328" y="629529"/>
+                </a:lnTo>
+                <a:cubicBezTo>
+                  <a:pt x="338328" y="717236"/>
+                  <a:pt x="267227" y="788337"/>
+                  <a:pt x="179520" y="788337"/>
+                </a:cubicBezTo>
+                <a:lnTo>
+                  <a:pt x="158808" y="788337"/>
+                </a:lnTo>
+                <a:cubicBezTo>
+                  <a:pt x="71101" y="788337"/>
+                  <a:pt x="0" y="717236"/>
+                  <a:pt x="0" y="629529"/>
+                </a:cubicBezTo>
+                <a:close/>
+              </a:path>
+            </a:pathLst>
+          </a:custGeom>
+          <a:solidFill>
+            <a:srgbClr val="32BC5F"/>
+          </a:solidFill>
+          <a:ln>
+            <a:noFill/>
+          </a:ln>
+        </p:spPr>
+        <p:style>
+          <a:lnRef idx="2">
+            <a:schemeClr val="dk1"/>
+          </a:lnRef>
+          <a:fillRef idx="1">
+            <a:schemeClr val="lt1"/>
+          </a:fillRef>
+          <a:effectRef idx="0">
+            <a:schemeClr val="dk1"/>
+          </a:effectRef>
+          <a:fontRef idx="minor">
+            <a:schemeClr val="dk1"/>
+          </a:fontRef>
+        </p:style>
+        <p:txBody>
+          <a:bodyPr rtlCol="0" anchor="ctr"/>
+          <a:lstStyle/>
+          <a:p>
+            <a:pPr algn="ctr"/>
+            <a:endParaRPr lang="en-US"/>
+          </a:p>
+        </p:txBody>
+      </p:sp>
+      <p:sp>
+        <p:nvSpPr>
+          <p:cNvPr id="216" name="Rounded Rectangle 17"/>
+          <p:cNvSpPr/>
+          <p:nvPr/>
+        </p:nvSpPr>
+        <p:spPr>
+          <a:xfrm flipH="1">
+            <a:off x="5233134" y="4496239"/>
+            <a:ext cx="338328" cy="788337"/>
+          </a:xfrm>
+          <a:custGeom>
+            <a:avLst/>
+            <a:gdLst/>
+            <a:ahLst/>
+            <a:cxnLst/>
+            <a:rect l="l" t="t" r="r" b="b"/>
+            <a:pathLst>
+              <a:path w="338328" h="788337">
+                <a:moveTo>
+                  <a:pt x="0" y="0"/>
+                </a:moveTo>
+                <a:lnTo>
+                  <a:pt x="338328" y="0"/>
+                </a:lnTo>
+                <a:lnTo>
+                  <a:pt x="338328" y="629529"/>
+                </a:lnTo>
+                <a:cubicBezTo>
+                  <a:pt x="338328" y="717236"/>
+                  <a:pt x="267227" y="788337"/>
+                  <a:pt x="179520" y="788337"/>
+                </a:cubicBezTo>
+                <a:lnTo>
+                  <a:pt x="158808" y="788337"/>
+                </a:lnTo>
+                <a:cubicBezTo>
+                  <a:pt x="71101" y="788337"/>
+                  <a:pt x="0" y="717236"/>
+                  <a:pt x="0" y="629529"/>
+                </a:cubicBezTo>
+                <a:close/>
+              </a:path>
+            </a:pathLst>
+          </a:custGeom>
+          <a:solidFill>
+            <a:srgbClr val="008040"/>
+          </a:solidFill>
+          <a:ln>
+            <a:noFill/>
+          </a:ln>
+        </p:spPr>
+        <p:style>
+          <a:lnRef idx="2">
+            <a:schemeClr val="dk1"/>
+          </a:lnRef>
+          <a:fillRef idx="1">
+            <a:schemeClr val="lt1"/>
+          </a:fillRef>
+          <a:effectRef idx="0">
+            <a:schemeClr val="dk1"/>
+          </a:effectRef>
+          <a:fontRef idx="minor">
+            <a:schemeClr val="dk1"/>
+          </a:fontRef>
+        </p:style>
+        <p:txBody>
+          <a:bodyPr rtlCol="0" anchor="ctr"/>
+          <a:lstStyle/>
+          <a:p>
+            <a:pPr algn="ctr"/>
+            <a:endParaRPr lang="en-US"/>
+          </a:p>
+        </p:txBody>
+      </p:sp>
+      <p:sp>
+        <p:nvSpPr>
+          <p:cNvPr id="217" name="Rounded Rectangle 17"/>
+          <p:cNvSpPr/>
+          <p:nvPr/>
+        </p:nvSpPr>
+        <p:spPr>
+          <a:xfrm flipH="1">
+            <a:off x="5571462" y="4496239"/>
+            <a:ext cx="338328" cy="788337"/>
+          </a:xfrm>
+          <a:custGeom>
+            <a:avLst/>
+            <a:gdLst/>
+            <a:ahLst/>
+            <a:cxnLst/>
+            <a:rect l="l" t="t" r="r" b="b"/>
+            <a:pathLst>
+              <a:path w="338328" h="788337">
+                <a:moveTo>
+                  <a:pt x="0" y="0"/>
+                </a:moveTo>
+                <a:lnTo>
+                  <a:pt x="338328" y="0"/>
+                </a:lnTo>
+                <a:lnTo>
+                  <a:pt x="338328" y="629529"/>
+                </a:lnTo>
+                <a:cubicBezTo>
+                  <a:pt x="338328" y="717236"/>
+                  <a:pt x="267227" y="788337"/>
+                  <a:pt x="179520" y="788337"/>
+                </a:cubicBezTo>
+                <a:lnTo>
+                  <a:pt x="158808" y="788337"/>
+                </a:lnTo>
+                <a:cubicBezTo>
+                  <a:pt x="71101" y="788337"/>
+                  <a:pt x="0" y="717236"/>
+                  <a:pt x="0" y="629529"/>
+                </a:cubicBezTo>
+                <a:close/>
+              </a:path>
+            </a:pathLst>
+          </a:custGeom>
+          <a:solidFill>
+            <a:srgbClr val="32BC5F"/>
+          </a:solidFill>
+          <a:ln>
+            <a:noFill/>
+          </a:ln>
+        </p:spPr>
+        <p:style>
+          <a:lnRef idx="2">
+            <a:schemeClr val="dk1"/>
+          </a:lnRef>
+          <a:fillRef idx="1">
+            <a:schemeClr val="lt1"/>
+          </a:fillRef>
+          <a:effectRef idx="0">
+            <a:schemeClr val="dk1"/>
+          </a:effectRef>
+          <a:fontRef idx="minor">
+            <a:schemeClr val="dk1"/>
+          </a:fontRef>
+        </p:style>
+        <p:txBody>
+          <a:bodyPr rtlCol="0" anchor="ctr"/>
+          <a:lstStyle/>
+          <a:p>
+            <a:pPr algn="ctr"/>
+            <a:endParaRPr lang="en-US"/>
+          </a:p>
+        </p:txBody>
+      </p:sp>
+      <p:sp>
+        <p:nvSpPr>
+          <p:cNvPr id="218" name="Rounded Rectangle 17"/>
+          <p:cNvSpPr/>
+          <p:nvPr/>
+        </p:nvSpPr>
+        <p:spPr>
+          <a:xfrm flipH="1">
+            <a:off x="5909790" y="4496239"/>
+            <a:ext cx="338328" cy="788337"/>
+          </a:xfrm>
+          <a:custGeom>
+            <a:avLst/>
+            <a:gdLst/>
+            <a:ahLst/>
+            <a:cxnLst/>
+            <a:rect l="l" t="t" r="r" b="b"/>
+            <a:pathLst>
+              <a:path w="338328" h="788337">
+                <a:moveTo>
+                  <a:pt x="0" y="0"/>
+                </a:moveTo>
+                <a:lnTo>
+                  <a:pt x="338328" y="0"/>
+                </a:lnTo>
+                <a:lnTo>
+                  <a:pt x="338328" y="629529"/>
+                </a:lnTo>
+                <a:cubicBezTo>
+                  <a:pt x="338328" y="717236"/>
+                  <a:pt x="267227" y="788337"/>
+                  <a:pt x="179520" y="788337"/>
+                </a:cubicBezTo>
+                <a:lnTo>
+                  <a:pt x="158808" y="788337"/>
+                </a:lnTo>
+                <a:cubicBezTo>
+                  <a:pt x="71101" y="788337"/>
+                  <a:pt x="0" y="717236"/>
+                  <a:pt x="0" y="629529"/>
+                </a:cubicBezTo>
+                <a:close/>
+              </a:path>
+            </a:pathLst>
+          </a:custGeom>
+          <a:solidFill>
+            <a:srgbClr val="008040"/>
+          </a:solidFill>
+          <a:ln>
+            <a:noFill/>
+          </a:ln>
+        </p:spPr>
+        <p:style>
+          <a:lnRef idx="2">
+            <a:schemeClr val="dk1"/>
+          </a:lnRef>
+          <a:fillRef idx="1">
+            <a:schemeClr val="lt1"/>
+          </a:fillRef>
+          <a:effectRef idx="0">
+            <a:schemeClr val="dk1"/>
+          </a:effectRef>
+          <a:fontRef idx="minor">
+            <a:schemeClr val="dk1"/>
+          </a:fontRef>
+        </p:style>
+        <p:txBody>
+          <a:bodyPr rtlCol="0" anchor="ctr"/>
+          <a:lstStyle/>
+          <a:p>
+            <a:pPr algn="ctr"/>
+            <a:endParaRPr lang="en-US"/>
+          </a:p>
+        </p:txBody>
+      </p:sp>
+      <p:sp>
+        <p:nvSpPr>
+          <p:cNvPr id="219" name="Rounded Rectangle 17"/>
+          <p:cNvSpPr/>
+          <p:nvPr/>
+        </p:nvSpPr>
+        <p:spPr>
+          <a:xfrm flipH="1">
+            <a:off x="6248118" y="4496239"/>
+            <a:ext cx="338328" cy="788337"/>
+          </a:xfrm>
+          <a:custGeom>
+            <a:avLst/>
+            <a:gdLst/>
+            <a:ahLst/>
+            <a:cxnLst/>
+            <a:rect l="l" t="t" r="r" b="b"/>
+            <a:pathLst>
+              <a:path w="338328" h="788337">
+                <a:moveTo>
+                  <a:pt x="0" y="0"/>
+                </a:moveTo>
+                <a:lnTo>
+                  <a:pt x="338328" y="0"/>
+                </a:lnTo>
+                <a:lnTo>
+                  <a:pt x="338328" y="629529"/>
+                </a:lnTo>
+                <a:cubicBezTo>
+                  <a:pt x="338328" y="717236"/>
+                  <a:pt x="267227" y="788337"/>
+                  <a:pt x="179520" y="788337"/>
+                </a:cubicBezTo>
+                <a:lnTo>
+                  <a:pt x="158808" y="788337"/>
+                </a:lnTo>
+                <a:cubicBezTo>
+                  <a:pt x="71101" y="788337"/>
+                  <a:pt x="0" y="717236"/>
+                  <a:pt x="0" y="629529"/>
+                </a:cubicBezTo>
+                <a:close/>
+              </a:path>
+            </a:pathLst>
+          </a:custGeom>
+          <a:solidFill>
+            <a:srgbClr val="32BC5F"/>
+          </a:solidFill>
+          <a:ln>
+            <a:noFill/>
+          </a:ln>
+        </p:spPr>
+        <p:style>
+          <a:lnRef idx="2">
+            <a:schemeClr val="dk1"/>
+          </a:lnRef>
+          <a:fillRef idx="1">
+            <a:schemeClr val="lt1"/>
+          </a:fillRef>
+          <a:effectRef idx="0">
+            <a:schemeClr val="dk1"/>
+          </a:effectRef>
+          <a:fontRef idx="minor">
+            <a:schemeClr val="dk1"/>
+          </a:fontRef>
+        </p:style>
+        <p:txBody>
+          <a:bodyPr rtlCol="0" anchor="ctr"/>
+          <a:lstStyle/>
+          <a:p>
+            <a:pPr algn="ctr"/>
+            <a:endParaRPr lang="en-US"/>
+          </a:p>
+        </p:txBody>
+      </p:sp>
+      <p:sp>
+        <p:nvSpPr>
+          <p:cNvPr id="220" name="Rounded Rectangle 17"/>
+          <p:cNvSpPr/>
+          <p:nvPr/>
+        </p:nvSpPr>
+        <p:spPr>
+          <a:xfrm flipH="1">
+            <a:off x="6586446" y="4496239"/>
+            <a:ext cx="338328" cy="788337"/>
+          </a:xfrm>
+          <a:custGeom>
+            <a:avLst/>
+            <a:gdLst/>
+            <a:ahLst/>
+            <a:cxnLst/>
+            <a:rect l="l" t="t" r="r" b="b"/>
+            <a:pathLst>
+              <a:path w="338328" h="788337">
+                <a:moveTo>
+                  <a:pt x="0" y="0"/>
+                </a:moveTo>
+                <a:lnTo>
+                  <a:pt x="338328" y="0"/>
+                </a:lnTo>
+                <a:lnTo>
+                  <a:pt x="338328" y="629529"/>
+                </a:lnTo>
+                <a:cubicBezTo>
+                  <a:pt x="338328" y="717236"/>
+                  <a:pt x="267227" y="788337"/>
+                  <a:pt x="179520" y="788337"/>
+                </a:cubicBezTo>
+                <a:lnTo>
+                  <a:pt x="158808" y="788337"/>
+                </a:lnTo>
+                <a:cubicBezTo>
+                  <a:pt x="71101" y="788337"/>
+                  <a:pt x="0" y="717236"/>
+                  <a:pt x="0" y="629529"/>
+                </a:cubicBezTo>
+                <a:close/>
+              </a:path>
+            </a:pathLst>
+          </a:custGeom>
+          <a:solidFill>
+            <a:srgbClr val="008040"/>
+          </a:solidFill>
+          <a:ln>
+            <a:noFill/>
+          </a:ln>
+        </p:spPr>
+        <p:style>
+          <a:lnRef idx="2">
+            <a:schemeClr val="dk1"/>
+          </a:lnRef>
+          <a:fillRef idx="1">
+            <a:schemeClr val="lt1"/>
+          </a:fillRef>
+          <a:effectRef idx="0">
+            <a:schemeClr val="dk1"/>
+          </a:effectRef>
+          <a:fontRef idx="minor">
+            <a:schemeClr val="dk1"/>
+          </a:fontRef>
+        </p:style>
+        <p:txBody>
+          <a:bodyPr rtlCol="0" anchor="ctr"/>
+          <a:lstStyle/>
+          <a:p>
+            <a:pPr algn="ctr"/>
+            <a:endParaRPr lang="en-US"/>
+          </a:p>
+        </p:txBody>
+      </p:sp>
+      <p:sp>
+        <p:nvSpPr>
+          <p:cNvPr id="221" name="Rounded Rectangle 17"/>
+          <p:cNvSpPr/>
+          <p:nvPr/>
+        </p:nvSpPr>
+        <p:spPr>
+          <a:xfrm flipH="1">
+            <a:off x="6924774" y="4496239"/>
+            <a:ext cx="338328" cy="788337"/>
+          </a:xfrm>
+          <a:custGeom>
+            <a:avLst/>
+            <a:gdLst/>
+            <a:ahLst/>
+            <a:cxnLst/>
+            <a:rect l="l" t="t" r="r" b="b"/>
+            <a:pathLst>
+              <a:path w="338328" h="788337">
+                <a:moveTo>
+                  <a:pt x="0" y="0"/>
+                </a:moveTo>
+                <a:lnTo>
+                  <a:pt x="338328" y="0"/>
+                </a:lnTo>
+                <a:lnTo>
+                  <a:pt x="338328" y="629529"/>
+                </a:lnTo>
+                <a:cubicBezTo>
+                  <a:pt x="338328" y="717236"/>
+                  <a:pt x="267227" y="788337"/>
+                  <a:pt x="179520" y="788337"/>
+                </a:cubicBezTo>
+                <a:lnTo>
+                  <a:pt x="158808" y="788337"/>
+                </a:lnTo>
+                <a:cubicBezTo>
+                  <a:pt x="71101" y="788337"/>
+                  <a:pt x="0" y="717236"/>
+                  <a:pt x="0" y="629529"/>
+                </a:cubicBezTo>
+                <a:close/>
+              </a:path>
+            </a:pathLst>
+          </a:custGeom>
+          <a:solidFill>
+            <a:srgbClr val="32BC5F"/>
+          </a:solidFill>
+          <a:ln>
+            <a:noFill/>
+          </a:ln>
+        </p:spPr>
+        <p:style>
+          <a:lnRef idx="2">
+            <a:schemeClr val="dk1"/>
+          </a:lnRef>
+          <a:fillRef idx="1">
+            <a:schemeClr val="lt1"/>
+          </a:fillRef>
+          <a:effectRef idx="0">
+            <a:schemeClr val="dk1"/>
+          </a:effectRef>
+          <a:fontRef idx="minor">
+            <a:schemeClr val="dk1"/>
+          </a:fontRef>
+        </p:style>
+        <p:txBody>
+          <a:bodyPr rtlCol="0" anchor="ctr"/>
+          <a:lstStyle/>
+          <a:p>
+            <a:pPr algn="ctr"/>
+            <a:endParaRPr lang="en-US"/>
+          </a:p>
+        </p:txBody>
+      </p:sp>
+      <p:sp>
+        <p:nvSpPr>
+          <p:cNvPr id="222" name="Rounded Rectangle 17"/>
+          <p:cNvSpPr/>
+          <p:nvPr/>
+        </p:nvSpPr>
+        <p:spPr>
+          <a:xfrm flipH="1">
+            <a:off x="7263102" y="4496239"/>
+            <a:ext cx="338328" cy="788337"/>
+          </a:xfrm>
+          <a:custGeom>
+            <a:avLst/>
+            <a:gdLst/>
+            <a:ahLst/>
+            <a:cxnLst/>
+            <a:rect l="l" t="t" r="r" b="b"/>
+            <a:pathLst>
+              <a:path w="338328" h="788337">
+                <a:moveTo>
+                  <a:pt x="0" y="0"/>
+                </a:moveTo>
+                <a:lnTo>
+                  <a:pt x="338328" y="0"/>
+                </a:lnTo>
+                <a:lnTo>
+                  <a:pt x="338328" y="629529"/>
+                </a:lnTo>
+                <a:cubicBezTo>
+                  <a:pt x="338328" y="717236"/>
+                  <a:pt x="267227" y="788337"/>
+                  <a:pt x="179520" y="788337"/>
+                </a:cubicBezTo>
+                <a:lnTo>
+                  <a:pt x="158808" y="788337"/>
+                </a:lnTo>
+                <a:cubicBezTo>
+                  <a:pt x="71101" y="788337"/>
+                  <a:pt x="0" y="717236"/>
+                  <a:pt x="0" y="629529"/>
+                </a:cubicBezTo>
+                <a:close/>
+              </a:path>
+            </a:pathLst>
+          </a:custGeom>
+          <a:solidFill>
+            <a:srgbClr val="008040"/>
+          </a:solidFill>
+          <a:ln>
+            <a:noFill/>
+          </a:ln>
+        </p:spPr>
+        <p:style>
+          <a:lnRef idx="2">
+            <a:schemeClr val="dk1"/>
+          </a:lnRef>
+          <a:fillRef idx="1">
+            <a:schemeClr val="lt1"/>
+          </a:fillRef>
+          <a:effectRef idx="0">
+            <a:schemeClr val="dk1"/>
+          </a:effectRef>
+          <a:fontRef idx="minor">
+            <a:schemeClr val="dk1"/>
+          </a:fontRef>
+        </p:style>
+        <p:txBody>
+          <a:bodyPr rtlCol="0" anchor="ctr"/>
+          <a:lstStyle/>
+          <a:p>
+            <a:pPr algn="ctr"/>
+            <a:endParaRPr lang="en-US"/>
+          </a:p>
+        </p:txBody>
+      </p:sp>
+      <p:sp>
+        <p:nvSpPr>
+          <p:cNvPr id="223" name="Rounded Rectangle 17"/>
+          <p:cNvSpPr/>
+          <p:nvPr/>
+        </p:nvSpPr>
+        <p:spPr>
+          <a:xfrm flipH="1">
+            <a:off x="7601430" y="4496239"/>
+            <a:ext cx="338328" cy="788337"/>
+          </a:xfrm>
+          <a:custGeom>
+            <a:avLst/>
+            <a:gdLst/>
+            <a:ahLst/>
+            <a:cxnLst/>
+            <a:rect l="l" t="t" r="r" b="b"/>
+            <a:pathLst>
+              <a:path w="338328" h="788337">
+                <a:moveTo>
+                  <a:pt x="0" y="0"/>
+                </a:moveTo>
+                <a:lnTo>
+                  <a:pt x="338328" y="0"/>
+                </a:lnTo>
+                <a:lnTo>
+                  <a:pt x="338328" y="629529"/>
+                </a:lnTo>
+                <a:cubicBezTo>
+                  <a:pt x="338328" y="717236"/>
+                  <a:pt x="267227" y="788337"/>
+                  <a:pt x="179520" y="788337"/>
+                </a:cubicBezTo>
+                <a:lnTo>
+                  <a:pt x="158808" y="788337"/>
+                </a:lnTo>
+                <a:cubicBezTo>
+                  <a:pt x="71101" y="788337"/>
+                  <a:pt x="0" y="717236"/>
+                  <a:pt x="0" y="629529"/>
+                </a:cubicBezTo>
+                <a:close/>
+              </a:path>
+            </a:pathLst>
+          </a:custGeom>
+          <a:solidFill>
+            <a:srgbClr val="32BC5F"/>
+          </a:solidFill>
+          <a:ln>
+            <a:noFill/>
+          </a:ln>
+        </p:spPr>
+        <p:style>
+          <a:lnRef idx="2">
+            <a:schemeClr val="dk1"/>
+          </a:lnRef>
+          <a:fillRef idx="1">
+            <a:schemeClr val="lt1"/>
+          </a:fillRef>
+          <a:effectRef idx="0">
+            <a:schemeClr val="dk1"/>
+          </a:effectRef>
+          <a:fontRef idx="minor">
+            <a:schemeClr val="dk1"/>
+          </a:fontRef>
+        </p:style>
+        <p:txBody>
+          <a:bodyPr rtlCol="0" anchor="ctr"/>
+          <a:lstStyle/>
+          <a:p>
+            <a:pPr algn="ctr"/>
+            <a:endParaRPr lang="en-US"/>
+          </a:p>
+        </p:txBody>
+      </p:sp>
+      <p:sp>
+        <p:nvSpPr>
+          <p:cNvPr id="224" name="Rounded Rectangle 17"/>
+          <p:cNvSpPr/>
+          <p:nvPr/>
+        </p:nvSpPr>
+        <p:spPr>
+          <a:xfrm flipH="1">
+            <a:off x="7939758" y="4496239"/>
+            <a:ext cx="338328" cy="788337"/>
+          </a:xfrm>
+          <a:custGeom>
+            <a:avLst/>
+            <a:gdLst/>
+            <a:ahLst/>
+            <a:cxnLst/>
+            <a:rect l="l" t="t" r="r" b="b"/>
+            <a:pathLst>
+              <a:path w="338328" h="788337">
+                <a:moveTo>
+                  <a:pt x="0" y="0"/>
+                </a:moveTo>
+                <a:lnTo>
+                  <a:pt x="338328" y="0"/>
+                </a:lnTo>
+                <a:lnTo>
+                  <a:pt x="338328" y="629529"/>
+                </a:lnTo>
+                <a:cubicBezTo>
+                  <a:pt x="338328" y="717236"/>
+                  <a:pt x="267227" y="788337"/>
+                  <a:pt x="179520" y="788337"/>
+                </a:cubicBezTo>
+                <a:lnTo>
+                  <a:pt x="158808" y="788337"/>
+                </a:lnTo>
+                <a:cubicBezTo>
+                  <a:pt x="71101" y="788337"/>
+                  <a:pt x="0" y="717236"/>
+                  <a:pt x="0" y="629529"/>
+                </a:cubicBezTo>
+                <a:close/>
+              </a:path>
+            </a:pathLst>
+          </a:custGeom>
+          <a:solidFill>
+            <a:srgbClr val="008040"/>
+          </a:solidFill>
+          <a:ln>
+            <a:noFill/>
+          </a:ln>
+        </p:spPr>
+        <p:style>
+          <a:lnRef idx="2">
+            <a:schemeClr val="dk1"/>
+          </a:lnRef>
+          <a:fillRef idx="1">
+            <a:schemeClr val="lt1"/>
+          </a:fillRef>
+          <a:effectRef idx="0">
+            <a:schemeClr val="dk1"/>
+          </a:effectRef>
+          <a:fontRef idx="minor">
+            <a:schemeClr val="dk1"/>
+          </a:fontRef>
+        </p:style>
+        <p:txBody>
+          <a:bodyPr rtlCol="0" anchor="ctr"/>
+          <a:lstStyle/>
+          <a:p>
+            <a:pPr algn="ctr"/>
+            <a:endParaRPr lang="en-US"/>
+          </a:p>
+        </p:txBody>
+      </p:sp>
+      <p:sp>
+        <p:nvSpPr>
+          <p:cNvPr id="225" name="Rounded Rectangle 224"/>
+          <p:cNvSpPr/>
+          <p:nvPr/>
+        </p:nvSpPr>
+        <p:spPr>
+          <a:xfrm>
+            <a:off x="5105145" y="6421592"/>
+            <a:ext cx="1524256" cy="45719"/>
+          </a:xfrm>
+          <a:prstGeom prst="roundRect">
+            <a:avLst/>
+          </a:prstGeom>
+          <a:solidFill>
+            <a:srgbClr val="FF0000"/>
+          </a:solidFill>
+          <a:ln>
+            <a:noFill/>
+          </a:ln>
+        </p:spPr>
+        <p:style>
+          <a:lnRef idx="2">
+            <a:schemeClr val="dk1"/>
+          </a:lnRef>
+          <a:fillRef idx="1">
+            <a:schemeClr val="lt1"/>
+          </a:fillRef>
+          <a:effectRef idx="0">
+            <a:schemeClr val="dk1"/>
+          </a:effectRef>
+          <a:fontRef idx="minor">
+            <a:schemeClr val="dk1"/>
+          </a:fontRef>
+        </p:style>
+        <p:txBody>
+          <a:bodyPr rtlCol="0" anchor="ctr"/>
+          <a:lstStyle/>
+          <a:p>
+            <a:pPr algn="ctr"/>
+            <a:endParaRPr lang="en-US"/>
+          </a:p>
+        </p:txBody>
+      </p:sp>
+      <p:sp>
+        <p:nvSpPr>
+          <p:cNvPr id="226" name="Parallelogram 225"/>
+          <p:cNvSpPr/>
+          <p:nvPr/>
+        </p:nvSpPr>
+        <p:spPr>
+          <a:xfrm>
+            <a:off x="5571462" y="5505461"/>
+            <a:ext cx="676656" cy="855917"/>
+          </a:xfrm>
+          <a:prstGeom prst="parallelogram">
+            <a:avLst>
+              <a:gd name="adj" fmla="val 65219"/>
+            </a:avLst>
+          </a:prstGeom>
+          <a:solidFill>
+            <a:schemeClr val="bg1"/>
+          </a:solidFill>
+          <a:ln>
+            <a:noFill/>
+          </a:ln>
+        </p:spPr>
+        <p:style>
+          <a:lnRef idx="2">
+            <a:schemeClr val="dk1"/>
+          </a:lnRef>
+          <a:fillRef idx="1">
+            <a:schemeClr val="lt1"/>
+          </a:fillRef>
+          <a:effectRef idx="0">
+            <a:schemeClr val="dk1"/>
+          </a:effectRef>
+          <a:fontRef idx="minor">
+            <a:schemeClr val="dk1"/>
+          </a:fontRef>
+        </p:style>
+        <p:txBody>
+          <a:bodyPr rtlCol="0" anchor="ctr"/>
+          <a:lstStyle/>
+          <a:p>
+            <a:pPr algn="ctr"/>
+            <a:endParaRPr lang="en-US"/>
+          </a:p>
+        </p:txBody>
+      </p:sp>
+      <p:cxnSp>
+        <p:nvCxnSpPr>
+          <p:cNvPr id="227" name="Straight Connector 226"/>
+          <p:cNvCxnSpPr>
+            <a:stCxn id="214" idx="0"/>
+            <a:endCxn id="214" idx="2"/>
+          </p:cNvCxnSpPr>
+          <p:nvPr/>
+        </p:nvCxnSpPr>
+        <p:spPr>
+          <a:xfrm>
+            <a:off x="5860007" y="5473447"/>
+            <a:ext cx="0" cy="925286"/>
+          </a:xfrm>
+          <a:prstGeom prst="line">
+            <a:avLst/>
+          </a:prstGeom>
+          <a:ln w="38100" cmpd="sng">
             <a:solidFill>
-              <a:srgbClr val="32BC5F"/>
+              <a:schemeClr val="accent1">
+                <a:lumMod val="60000"/>
+                <a:lumOff val="40000"/>
+              </a:schemeClr>
             </a:solidFill>
-            <a:ln>
-              <a:noFill/>
-            </a:ln>
-          </p:spPr>
-          <p:style>
-            <a:lnRef idx="2">
-              <a:schemeClr val="dk1"/>
-            </a:lnRef>
-            <a:fillRef idx="1">
-              <a:schemeClr val="lt1"/>
-            </a:fillRef>
-            <a:effectRef idx="0">
-              <a:schemeClr val="dk1"/>
-            </a:effectRef>
-            <a:fontRef idx="minor">
-              <a:schemeClr val="dk1"/>
-            </a:fontRef>
-          </p:style>
-          <p:txBody>
-            <a:bodyPr rtlCol="0" anchor="ctr"/>
-            <a:lstStyle/>
-            <a:p>
-              <a:pPr algn="ctr"/>
-              <a:endParaRPr lang="en-US"/>
-            </a:p>
-          </p:txBody>
-        </p:sp>
-        <p:sp>
-          <p:nvSpPr>
-            <p:cNvPr id="216" name="Rounded Rectangle 17"/>
-            <p:cNvSpPr/>
-            <p:nvPr/>
-          </p:nvSpPr>
-          <p:spPr>
-            <a:xfrm flipH="1">
-              <a:off x="5233134" y="4496239"/>
-              <a:ext cx="338328" cy="788337"/>
-            </a:xfrm>
-            <a:custGeom>
-              <a:avLst/>
-              <a:gdLst/>
-              <a:ahLst/>
-              <a:cxnLst/>
-              <a:rect l="l" t="t" r="r" b="b"/>
-              <a:pathLst>
-                <a:path w="338328" h="788337">
-                  <a:moveTo>
-                    <a:pt x="0" y="0"/>
-                  </a:moveTo>
-                  <a:lnTo>
-                    <a:pt x="338328" y="0"/>
-                  </a:lnTo>
-                  <a:lnTo>
-                    <a:pt x="338328" y="629529"/>
-                  </a:lnTo>
-                  <a:cubicBezTo>
-                    <a:pt x="338328" y="717236"/>
-                    <a:pt x="267227" y="788337"/>
-                    <a:pt x="179520" y="788337"/>
-                  </a:cubicBezTo>
-                  <a:lnTo>
-                    <a:pt x="158808" y="788337"/>
-                  </a:lnTo>
-                  <a:cubicBezTo>
-                    <a:pt x="71101" y="788337"/>
-                    <a:pt x="0" y="717236"/>
-                    <a:pt x="0" y="629529"/>
-                  </a:cubicBezTo>
-                  <a:close/>
-                </a:path>
-              </a:pathLst>
-            </a:custGeom>
-            <a:solidFill>
-              <a:srgbClr val="008040"/>
-            </a:solidFill>
-            <a:ln>
-              <a:noFill/>
-            </a:ln>
-          </p:spPr>
-          <p:style>
-            <a:lnRef idx="2">
-              <a:schemeClr val="dk1"/>
-            </a:lnRef>
-            <a:fillRef idx="1">
-              <a:schemeClr val="lt1"/>
-            </a:fillRef>
-            <a:effectRef idx="0">
-              <a:schemeClr val="dk1"/>
-            </a:effectRef>
-            <a:fontRef idx="minor">
-              <a:schemeClr val="dk1"/>
-            </a:fontRef>
-          </p:style>
-          <p:txBody>
-            <a:bodyPr rtlCol="0" anchor="ctr"/>
-            <a:lstStyle/>
-            <a:p>
-              <a:pPr algn="ctr"/>
-              <a:endParaRPr lang="en-US"/>
-            </a:p>
-          </p:txBody>
-        </p:sp>
-        <p:sp>
-          <p:nvSpPr>
-            <p:cNvPr id="217" name="Rounded Rectangle 17"/>
-            <p:cNvSpPr/>
-            <p:nvPr/>
-          </p:nvSpPr>
-          <p:spPr>
-            <a:xfrm flipH="1">
-              <a:off x="5571462" y="4496239"/>
-              <a:ext cx="338328" cy="788337"/>
-            </a:xfrm>
-            <a:custGeom>
-              <a:avLst/>
-              <a:gdLst/>
-              <a:ahLst/>
-              <a:cxnLst/>
-              <a:rect l="l" t="t" r="r" b="b"/>
-              <a:pathLst>
-                <a:path w="338328" h="788337">
-                  <a:moveTo>
-                    <a:pt x="0" y="0"/>
-                  </a:moveTo>
-                  <a:lnTo>
-                    <a:pt x="338328" y="0"/>
-                  </a:lnTo>
-                  <a:lnTo>
-                    <a:pt x="338328" y="629529"/>
-                  </a:lnTo>
-                  <a:cubicBezTo>
-                    <a:pt x="338328" y="717236"/>
-                    <a:pt x="267227" y="788337"/>
-                    <a:pt x="179520" y="788337"/>
-                  </a:cubicBezTo>
-                  <a:lnTo>
-                    <a:pt x="158808" y="788337"/>
-                  </a:lnTo>
-                  <a:cubicBezTo>
-                    <a:pt x="71101" y="788337"/>
-                    <a:pt x="0" y="717236"/>
-                    <a:pt x="0" y="629529"/>
-                  </a:cubicBezTo>
-                  <a:close/>
-                </a:path>
-              </a:pathLst>
-            </a:custGeom>
-            <a:solidFill>
-              <a:srgbClr val="32BC5F"/>
-            </a:solidFill>
-            <a:ln>
-              <a:noFill/>
-            </a:ln>
-          </p:spPr>
-          <p:style>
-            <a:lnRef idx="2">
-              <a:schemeClr val="dk1"/>
-            </a:lnRef>
-            <a:fillRef idx="1">
-              <a:schemeClr val="lt1"/>
-            </a:fillRef>
-            <a:effectRef idx="0">
-              <a:schemeClr val="dk1"/>
-            </a:effectRef>
-            <a:fontRef idx="minor">
-              <a:schemeClr val="dk1"/>
-            </a:fontRef>
-          </p:style>
-          <p:txBody>
-            <a:bodyPr rtlCol="0" anchor="ctr"/>
-            <a:lstStyle/>
-            <a:p>
-              <a:pPr algn="ctr"/>
-              <a:endParaRPr lang="en-US"/>
-            </a:p>
-          </p:txBody>
-        </p:sp>
-        <p:sp>
-          <p:nvSpPr>
-            <p:cNvPr id="218" name="Rounded Rectangle 17"/>
-            <p:cNvSpPr/>
-            <p:nvPr/>
-          </p:nvSpPr>
-          <p:spPr>
-            <a:xfrm flipH="1">
-              <a:off x="5909790" y="4496239"/>
-              <a:ext cx="338328" cy="788337"/>
-            </a:xfrm>
-            <a:custGeom>
-              <a:avLst/>
-              <a:gdLst/>
-              <a:ahLst/>
-              <a:cxnLst/>
-              <a:rect l="l" t="t" r="r" b="b"/>
-              <a:pathLst>
-                <a:path w="338328" h="788337">
-                  <a:moveTo>
-                    <a:pt x="0" y="0"/>
-                  </a:moveTo>
-                  <a:lnTo>
-                    <a:pt x="338328" y="0"/>
-                  </a:lnTo>
-                  <a:lnTo>
-                    <a:pt x="338328" y="629529"/>
-                  </a:lnTo>
-                  <a:cubicBezTo>
-                    <a:pt x="338328" y="717236"/>
-                    <a:pt x="267227" y="788337"/>
-                    <a:pt x="179520" y="788337"/>
-                  </a:cubicBezTo>
-                  <a:lnTo>
-                    <a:pt x="158808" y="788337"/>
-                  </a:lnTo>
-                  <a:cubicBezTo>
-                    <a:pt x="71101" y="788337"/>
-                    <a:pt x="0" y="717236"/>
-                    <a:pt x="0" y="629529"/>
-                  </a:cubicBezTo>
-                  <a:close/>
-                </a:path>
-              </a:pathLst>
-            </a:custGeom>
-            <a:solidFill>
-              <a:srgbClr val="008040"/>
-            </a:solidFill>
-            <a:ln>
-              <a:noFill/>
-            </a:ln>
-          </p:spPr>
-          <p:style>
-            <a:lnRef idx="2">
-              <a:schemeClr val="dk1"/>
-            </a:lnRef>
-            <a:fillRef idx="1">
-              <a:schemeClr val="lt1"/>
-            </a:fillRef>
-            <a:effectRef idx="0">
-              <a:schemeClr val="dk1"/>
-            </a:effectRef>
-            <a:fontRef idx="minor">
-              <a:schemeClr val="dk1"/>
-            </a:fontRef>
-          </p:style>
-          <p:txBody>
-            <a:bodyPr rtlCol="0" anchor="ctr"/>
-            <a:lstStyle/>
-            <a:p>
-              <a:pPr algn="ctr"/>
-              <a:endParaRPr lang="en-US"/>
-            </a:p>
-          </p:txBody>
-        </p:sp>
-        <p:sp>
-          <p:nvSpPr>
-            <p:cNvPr id="219" name="Rounded Rectangle 17"/>
-            <p:cNvSpPr/>
-            <p:nvPr/>
-          </p:nvSpPr>
-          <p:spPr>
-            <a:xfrm flipH="1">
-              <a:off x="6248118" y="4496239"/>
-              <a:ext cx="338328" cy="788337"/>
-            </a:xfrm>
-            <a:custGeom>
-              <a:avLst/>
-              <a:gdLst/>
-              <a:ahLst/>
-              <a:cxnLst/>
-              <a:rect l="l" t="t" r="r" b="b"/>
-              <a:pathLst>
-                <a:path w="338328" h="788337">
-                  <a:moveTo>
-                    <a:pt x="0" y="0"/>
-                  </a:moveTo>
-                  <a:lnTo>
-                    <a:pt x="338328" y="0"/>
-                  </a:lnTo>
-                  <a:lnTo>
-                    <a:pt x="338328" y="629529"/>
-                  </a:lnTo>
-                  <a:cubicBezTo>
-                    <a:pt x="338328" y="717236"/>
-                    <a:pt x="267227" y="788337"/>
-                    <a:pt x="179520" y="788337"/>
-                  </a:cubicBezTo>
-                  <a:lnTo>
-                    <a:pt x="158808" y="788337"/>
-                  </a:lnTo>
-                  <a:cubicBezTo>
-                    <a:pt x="71101" y="788337"/>
-                    <a:pt x="0" y="717236"/>
-                    <a:pt x="0" y="629529"/>
-                  </a:cubicBezTo>
-                  <a:close/>
-                </a:path>
-              </a:pathLst>
-            </a:custGeom>
-            <a:solidFill>
-              <a:srgbClr val="32BC5F"/>
-            </a:solidFill>
-            <a:ln>
-              <a:noFill/>
-            </a:ln>
-          </p:spPr>
-          <p:style>
-            <a:lnRef idx="2">
-              <a:schemeClr val="dk1"/>
-            </a:lnRef>
-            <a:fillRef idx="1">
-              <a:schemeClr val="lt1"/>
-            </a:fillRef>
-            <a:effectRef idx="0">
-              <a:schemeClr val="dk1"/>
-            </a:effectRef>
-            <a:fontRef idx="minor">
-              <a:schemeClr val="dk1"/>
-            </a:fontRef>
-          </p:style>
-          <p:txBody>
-            <a:bodyPr rtlCol="0" anchor="ctr"/>
-            <a:lstStyle/>
-            <a:p>
-              <a:pPr algn="ctr"/>
-              <a:endParaRPr lang="en-US"/>
-            </a:p>
-          </p:txBody>
-        </p:sp>
-        <p:sp>
-          <p:nvSpPr>
-            <p:cNvPr id="220" name="Rounded Rectangle 17"/>
-            <p:cNvSpPr/>
-            <p:nvPr/>
-          </p:nvSpPr>
-          <p:spPr>
-            <a:xfrm flipH="1">
-              <a:off x="6586446" y="4496239"/>
-              <a:ext cx="338328" cy="788337"/>
-            </a:xfrm>
-            <a:custGeom>
-              <a:avLst/>
-              <a:gdLst/>
-              <a:ahLst/>
-              <a:cxnLst/>
-              <a:rect l="l" t="t" r="r" b="b"/>
-              <a:pathLst>
-                <a:path w="338328" h="788337">
-                  <a:moveTo>
-                    <a:pt x="0" y="0"/>
-                  </a:moveTo>
-                  <a:lnTo>
-                    <a:pt x="338328" y="0"/>
-                  </a:lnTo>
-                  <a:lnTo>
-                    <a:pt x="338328" y="629529"/>
-                  </a:lnTo>
-                  <a:cubicBezTo>
-                    <a:pt x="338328" y="717236"/>
-                    <a:pt x="267227" y="788337"/>
-                    <a:pt x="179520" y="788337"/>
-                  </a:cubicBezTo>
-                  <a:lnTo>
-                    <a:pt x="158808" y="788337"/>
-                  </a:lnTo>
-                  <a:cubicBezTo>
-                    <a:pt x="71101" y="788337"/>
-                    <a:pt x="0" y="717236"/>
-                    <a:pt x="0" y="629529"/>
-                  </a:cubicBezTo>
-                  <a:close/>
-                </a:path>
-              </a:pathLst>
-            </a:custGeom>
-            <a:solidFill>
-              <a:srgbClr val="008040"/>
-            </a:solidFill>
-            <a:ln>
-              <a:noFill/>
-            </a:ln>
-          </p:spPr>
-          <p:style>
-            <a:lnRef idx="2">
-              <a:schemeClr val="dk1"/>
-            </a:lnRef>
-            <a:fillRef idx="1">
-              <a:schemeClr val="lt1"/>
-            </a:fillRef>
-            <a:effectRef idx="0">
-              <a:schemeClr val="dk1"/>
-            </a:effectRef>
-            <a:fontRef idx="minor">
-              <a:schemeClr val="dk1"/>
-            </a:fontRef>
-          </p:style>
-          <p:txBody>
-            <a:bodyPr rtlCol="0" anchor="ctr"/>
-            <a:lstStyle/>
-            <a:p>
-              <a:pPr algn="ctr"/>
-              <a:endParaRPr lang="en-US"/>
-            </a:p>
-          </p:txBody>
-        </p:sp>
-        <p:sp>
-          <p:nvSpPr>
-            <p:cNvPr id="221" name="Rounded Rectangle 17"/>
-            <p:cNvSpPr/>
-            <p:nvPr/>
-          </p:nvSpPr>
-          <p:spPr>
-            <a:xfrm flipH="1">
-              <a:off x="6924774" y="4496239"/>
-              <a:ext cx="338328" cy="788337"/>
-            </a:xfrm>
-            <a:custGeom>
-              <a:avLst/>
-              <a:gdLst/>
-              <a:ahLst/>
-              <a:cxnLst/>
-              <a:rect l="l" t="t" r="r" b="b"/>
-              <a:pathLst>
-                <a:path w="338328" h="788337">
-                  <a:moveTo>
-                    <a:pt x="0" y="0"/>
-                  </a:moveTo>
-                  <a:lnTo>
-                    <a:pt x="338328" y="0"/>
-                  </a:lnTo>
-                  <a:lnTo>
-                    <a:pt x="338328" y="629529"/>
-                  </a:lnTo>
-                  <a:cubicBezTo>
-                    <a:pt x="338328" y="717236"/>
-                    <a:pt x="267227" y="788337"/>
-                    <a:pt x="179520" y="788337"/>
-                  </a:cubicBezTo>
-                  <a:lnTo>
-                    <a:pt x="158808" y="788337"/>
-                  </a:lnTo>
-                  <a:cubicBezTo>
-                    <a:pt x="71101" y="788337"/>
-                    <a:pt x="0" y="717236"/>
-                    <a:pt x="0" y="629529"/>
-                  </a:cubicBezTo>
-                  <a:close/>
-                </a:path>
-              </a:pathLst>
-            </a:custGeom>
-            <a:solidFill>
-              <a:srgbClr val="32BC5F"/>
-            </a:solidFill>
-            <a:ln>
-              <a:noFill/>
-            </a:ln>
-          </p:spPr>
-          <p:style>
-            <a:lnRef idx="2">
-              <a:schemeClr val="dk1"/>
-            </a:lnRef>
-            <a:fillRef idx="1">
-              <a:schemeClr val="lt1"/>
-            </a:fillRef>
-            <a:effectRef idx="0">
-              <a:schemeClr val="dk1"/>
-            </a:effectRef>
-            <a:fontRef idx="minor">
-              <a:schemeClr val="dk1"/>
-            </a:fontRef>
-          </p:style>
-          <p:txBody>
-            <a:bodyPr rtlCol="0" anchor="ctr"/>
-            <a:lstStyle/>
-            <a:p>
-              <a:pPr algn="ctr"/>
-              <a:endParaRPr lang="en-US"/>
-            </a:p>
-          </p:txBody>
-        </p:sp>
-        <p:sp>
-          <p:nvSpPr>
-            <p:cNvPr id="222" name="Rounded Rectangle 17"/>
-            <p:cNvSpPr/>
-            <p:nvPr/>
-          </p:nvSpPr>
-          <p:spPr>
-            <a:xfrm flipH="1">
-              <a:off x="7263102" y="4496239"/>
-              <a:ext cx="338328" cy="788337"/>
-            </a:xfrm>
-            <a:custGeom>
-              <a:avLst/>
-              <a:gdLst/>
-              <a:ahLst/>
-              <a:cxnLst/>
-              <a:rect l="l" t="t" r="r" b="b"/>
-              <a:pathLst>
-                <a:path w="338328" h="788337">
-                  <a:moveTo>
-                    <a:pt x="0" y="0"/>
-                  </a:moveTo>
-                  <a:lnTo>
-                    <a:pt x="338328" y="0"/>
-                  </a:lnTo>
-                  <a:lnTo>
-                    <a:pt x="338328" y="629529"/>
-                  </a:lnTo>
-                  <a:cubicBezTo>
-                    <a:pt x="338328" y="717236"/>
-                    <a:pt x="267227" y="788337"/>
-                    <a:pt x="179520" y="788337"/>
-                  </a:cubicBezTo>
-                  <a:lnTo>
-                    <a:pt x="158808" y="788337"/>
-                  </a:lnTo>
-                  <a:cubicBezTo>
-                    <a:pt x="71101" y="788337"/>
-                    <a:pt x="0" y="717236"/>
-                    <a:pt x="0" y="629529"/>
-                  </a:cubicBezTo>
-                  <a:close/>
-                </a:path>
-              </a:pathLst>
-            </a:custGeom>
-            <a:solidFill>
-              <a:srgbClr val="008040"/>
-            </a:solidFill>
-            <a:ln>
-              <a:noFill/>
-            </a:ln>
-          </p:spPr>
-          <p:style>
-            <a:lnRef idx="2">
-              <a:schemeClr val="dk1"/>
-            </a:lnRef>
-            <a:fillRef idx="1">
-              <a:schemeClr val="lt1"/>
-            </a:fillRef>
-            <a:effectRef idx="0">
-              <a:schemeClr val="dk1"/>
-            </a:effectRef>
-            <a:fontRef idx="minor">
-              <a:schemeClr val="dk1"/>
-            </a:fontRef>
-          </p:style>
-          <p:txBody>
-            <a:bodyPr rtlCol="0" anchor="ctr"/>
-            <a:lstStyle/>
-            <a:p>
-              <a:pPr algn="ctr"/>
-              <a:endParaRPr lang="en-US"/>
-            </a:p>
-          </p:txBody>
-        </p:sp>
-        <p:sp>
-          <p:nvSpPr>
-            <p:cNvPr id="223" name="Rounded Rectangle 17"/>
-            <p:cNvSpPr/>
-            <p:nvPr/>
-          </p:nvSpPr>
-          <p:spPr>
-            <a:xfrm flipH="1">
-              <a:off x="7601430" y="4496239"/>
-              <a:ext cx="338328" cy="788337"/>
-            </a:xfrm>
-            <a:custGeom>
-              <a:avLst/>
-              <a:gdLst/>
-              <a:ahLst/>
-              <a:cxnLst/>
-              <a:rect l="l" t="t" r="r" b="b"/>
-              <a:pathLst>
-                <a:path w="338328" h="788337">
-                  <a:moveTo>
-                    <a:pt x="0" y="0"/>
-                  </a:moveTo>
-                  <a:lnTo>
-                    <a:pt x="338328" y="0"/>
-                  </a:lnTo>
-                  <a:lnTo>
-                    <a:pt x="338328" y="629529"/>
-                  </a:lnTo>
-                  <a:cubicBezTo>
-                    <a:pt x="338328" y="717236"/>
-                    <a:pt x="267227" y="788337"/>
-                    <a:pt x="179520" y="788337"/>
-                  </a:cubicBezTo>
-                  <a:lnTo>
-                    <a:pt x="158808" y="788337"/>
-                  </a:lnTo>
-                  <a:cubicBezTo>
-                    <a:pt x="71101" y="788337"/>
-                    <a:pt x="0" y="717236"/>
-                    <a:pt x="0" y="629529"/>
-                  </a:cubicBezTo>
-                  <a:close/>
-                </a:path>
-              </a:pathLst>
-            </a:custGeom>
-            <a:solidFill>
-              <a:srgbClr val="32BC5F"/>
-            </a:solidFill>
-            <a:ln>
-              <a:noFill/>
-            </a:ln>
-          </p:spPr>
-          <p:style>
-            <a:lnRef idx="2">
-              <a:schemeClr val="dk1"/>
-            </a:lnRef>
-            <a:fillRef idx="1">
-              <a:schemeClr val="lt1"/>
-            </a:fillRef>
-            <a:effectRef idx="0">
-              <a:schemeClr val="dk1"/>
-            </a:effectRef>
-            <a:fontRef idx="minor">
-              <a:schemeClr val="dk1"/>
-            </a:fontRef>
-          </p:style>
-          <p:txBody>
-            <a:bodyPr rtlCol="0" anchor="ctr"/>
-            <a:lstStyle/>
-            <a:p>
-              <a:pPr algn="ctr"/>
-              <a:endParaRPr lang="en-US"/>
-            </a:p>
-          </p:txBody>
-        </p:sp>
-        <p:sp>
-          <p:nvSpPr>
-            <p:cNvPr id="224" name="Rounded Rectangle 17"/>
-            <p:cNvSpPr/>
-            <p:nvPr/>
-          </p:nvSpPr>
-          <p:spPr>
-            <a:xfrm flipH="1">
-              <a:off x="7939758" y="4496239"/>
-              <a:ext cx="338328" cy="788337"/>
-            </a:xfrm>
-            <a:custGeom>
-              <a:avLst/>
-              <a:gdLst/>
-              <a:ahLst/>
-              <a:cxnLst/>
-              <a:rect l="l" t="t" r="r" b="b"/>
-              <a:pathLst>
-                <a:path w="338328" h="788337">
-                  <a:moveTo>
-                    <a:pt x="0" y="0"/>
-                  </a:moveTo>
-                  <a:lnTo>
-                    <a:pt x="338328" y="0"/>
-                  </a:lnTo>
-                  <a:lnTo>
-                    <a:pt x="338328" y="629529"/>
-                  </a:lnTo>
-                  <a:cubicBezTo>
-                    <a:pt x="338328" y="717236"/>
-                    <a:pt x="267227" y="788337"/>
-                    <a:pt x="179520" y="788337"/>
-                  </a:cubicBezTo>
-                  <a:lnTo>
-                    <a:pt x="158808" y="788337"/>
-                  </a:lnTo>
-                  <a:cubicBezTo>
-                    <a:pt x="71101" y="788337"/>
-                    <a:pt x="0" y="717236"/>
-                    <a:pt x="0" y="629529"/>
-                  </a:cubicBezTo>
-                  <a:close/>
-                </a:path>
-              </a:pathLst>
-            </a:custGeom>
-            <a:solidFill>
-              <a:srgbClr val="008040"/>
-            </a:solidFill>
-            <a:ln>
-              <a:noFill/>
-            </a:ln>
-          </p:spPr>
-          <p:style>
-            <a:lnRef idx="2">
-              <a:schemeClr val="dk1"/>
-            </a:lnRef>
-            <a:fillRef idx="1">
-              <a:schemeClr val="lt1"/>
-            </a:fillRef>
-            <a:effectRef idx="0">
-              <a:schemeClr val="dk1"/>
-            </a:effectRef>
-            <a:fontRef idx="minor">
-              <a:schemeClr val="dk1"/>
-            </a:fontRef>
-          </p:style>
-          <p:txBody>
-            <a:bodyPr rtlCol="0" anchor="ctr"/>
-            <a:lstStyle/>
-            <a:p>
-              <a:pPr algn="ctr"/>
-              <a:endParaRPr lang="en-US"/>
-            </a:p>
-          </p:txBody>
-        </p:sp>
-        <p:sp>
-          <p:nvSpPr>
-            <p:cNvPr id="225" name="Rounded Rectangle 224"/>
-            <p:cNvSpPr/>
-            <p:nvPr/>
-          </p:nvSpPr>
-          <p:spPr>
-            <a:xfrm>
-              <a:off x="5105145" y="6421592"/>
-              <a:ext cx="1524256" cy="45719"/>
-            </a:xfrm>
-            <a:prstGeom prst="roundRect">
-              <a:avLst/>
-            </a:prstGeom>
-            <a:solidFill>
-              <a:srgbClr val="FF0000"/>
-            </a:solidFill>
-            <a:ln>
-              <a:noFill/>
-            </a:ln>
-          </p:spPr>
-          <p:style>
-            <a:lnRef idx="2">
-              <a:schemeClr val="dk1"/>
-            </a:lnRef>
-            <a:fillRef idx="1">
-              <a:schemeClr val="lt1"/>
-            </a:fillRef>
-            <a:effectRef idx="0">
-              <a:schemeClr val="dk1"/>
-            </a:effectRef>
-            <a:fontRef idx="minor">
-              <a:schemeClr val="dk1"/>
-            </a:fontRef>
-          </p:style>
-          <p:txBody>
-            <a:bodyPr rtlCol="0" anchor="ctr"/>
-            <a:lstStyle/>
-            <a:p>
-              <a:pPr algn="ctr"/>
-              <a:endParaRPr lang="en-US"/>
-            </a:p>
-          </p:txBody>
-        </p:sp>
-        <p:sp>
-          <p:nvSpPr>
-            <p:cNvPr id="226" name="Parallelogram 225"/>
-            <p:cNvSpPr/>
-            <p:nvPr/>
-          </p:nvSpPr>
-          <p:spPr>
-            <a:xfrm>
-              <a:off x="5571462" y="5505461"/>
-              <a:ext cx="676656" cy="855917"/>
-            </a:xfrm>
-            <a:prstGeom prst="parallelogram">
-              <a:avLst>
-                <a:gd name="adj" fmla="val 65219"/>
-              </a:avLst>
-            </a:prstGeom>
-            <a:solidFill>
-              <a:schemeClr val="bg1"/>
-            </a:solidFill>
-            <a:ln>
-              <a:noFill/>
-            </a:ln>
-          </p:spPr>
-          <p:style>
-            <a:lnRef idx="2">
-              <a:schemeClr val="dk1"/>
-            </a:lnRef>
-            <a:fillRef idx="1">
-              <a:schemeClr val="lt1"/>
-            </a:fillRef>
-            <a:effectRef idx="0">
-              <a:schemeClr val="dk1"/>
-            </a:effectRef>
-            <a:fontRef idx="minor">
-              <a:schemeClr val="dk1"/>
-            </a:fontRef>
-          </p:style>
-          <p:txBody>
-            <a:bodyPr rtlCol="0" anchor="ctr"/>
-            <a:lstStyle/>
-            <a:p>
-              <a:pPr algn="ctr"/>
-              <a:endParaRPr lang="en-US"/>
-            </a:p>
-          </p:txBody>
-        </p:sp>
-        <p:cxnSp>
-          <p:nvCxnSpPr>
-            <p:cNvPr id="227" name="Straight Connector 226"/>
-            <p:cNvCxnSpPr>
-              <a:stCxn id="214" idx="0"/>
-              <a:endCxn id="214" idx="2"/>
-            </p:cNvCxnSpPr>
-            <p:nvPr/>
-          </p:nvCxnSpPr>
-          <p:spPr>
-            <a:xfrm>
-              <a:off x="5860007" y="5473447"/>
-              <a:ext cx="0" cy="925286"/>
-            </a:xfrm>
-            <a:prstGeom prst="line">
-              <a:avLst/>
-            </a:prstGeom>
-            <a:ln w="38100" cmpd="sng">
-              <a:solidFill>
-                <a:schemeClr val="accent1">
-                  <a:lumMod val="60000"/>
-                  <a:lumOff val="40000"/>
-                </a:schemeClr>
-              </a:solidFill>
-            </a:ln>
-          </p:spPr>
-          <p:style>
-            <a:lnRef idx="1">
-              <a:schemeClr val="dk1"/>
-            </a:lnRef>
-            <a:fillRef idx="0">
-              <a:schemeClr val="dk1"/>
-            </a:fillRef>
-            <a:effectRef idx="0">
-              <a:schemeClr val="dk1"/>
-            </a:effectRef>
-            <a:fontRef idx="minor">
-              <a:schemeClr val="tx1"/>
-            </a:fontRef>
-          </p:style>
-        </p:cxnSp>
-      </p:grpSp>
+          </a:ln>
+        </p:spPr>
+        <p:style>
+          <a:lnRef idx="1">
+            <a:schemeClr val="dk1"/>
+          </a:lnRef>
+          <a:fillRef idx="0">
+            <a:schemeClr val="dk1"/>
+          </a:fillRef>
+          <a:effectRef idx="0">
+            <a:schemeClr val="dk1"/>
+          </a:effectRef>
+          <a:fontRef idx="minor">
+            <a:schemeClr val="tx1"/>
+          </a:fontRef>
+        </p:style>
+      </p:cxnSp>
       <p:grpSp>
         <p:nvGrpSpPr>
           <p:cNvPr id="2" name="Group 1"/>
@@ -6015,14 +6085,7 @@
                     <a:latin typeface="Chewy"/>
                     <a:cs typeface="Chewy"/>
                   </a:rPr>
-                  <a:t>TACO </a:t>
-                </a:r>
-                <a:r>
-                  <a:rPr lang="en-US" sz="3200" b="1" dirty="0" smtClean="0">
-                    <a:latin typeface="Chewy"/>
-                    <a:cs typeface="Chewy"/>
-                  </a:rPr>
-                  <a:t>TOWN</a:t>
+                  <a:t>TACO TOWN</a:t>
                 </a:r>
                 <a:endParaRPr lang="en-US" sz="3200" b="1" dirty="0">
                   <a:latin typeface="Chewy"/>
@@ -6599,6 +6662,44 @@
           </p:sp>
         </p:grpSp>
       </p:grpSp>
+      <p:sp>
+        <p:nvSpPr>
+          <p:cNvPr id="6" name="TextBox 5"/>
+          <p:cNvSpPr txBox="1"/>
+          <p:nvPr/>
+        </p:nvSpPr>
+        <p:spPr>
+          <a:xfrm>
+            <a:off x="0" y="0"/>
+            <a:ext cx="3731460" cy="369332"/>
+          </a:xfrm>
+          <a:prstGeom prst="rect">
+            <a:avLst/>
+          </a:prstGeom>
+          <a:noFill/>
+        </p:spPr>
+        <p:txBody>
+          <a:bodyPr wrap="none" rtlCol="0">
+            <a:spAutoFit/>
+          </a:bodyPr>
+          <a:lstStyle/>
+          <a:p>
+            <a:r>
+              <a:rPr lang="en-US" dirty="0" smtClean="0"/>
+              <a:t>V1 </a:t>
+            </a:r>
+            <a:r>
+              <a:rPr lang="mr-IN" dirty="0" smtClean="0"/>
+              <a:t>–</a:t>
+            </a:r>
+            <a:r>
+              <a:rPr lang="en-US" dirty="0" smtClean="0"/>
+              <a:t> Mix of restaurants + 1 food truck</a:t>
+            </a:r>
+            <a:endParaRPr lang="en-US" dirty="0"/>
+          </a:p>
+        </p:txBody>
+      </p:sp>
     </p:spTree>
     <p:extLst>
       <p:ext uri="{BB962C8B-B14F-4D97-AF65-F5344CB8AC3E}">
@@ -6609,10 +6710,2272 @@
   <p:clrMapOvr>
     <a:masterClrMapping/>
   </p:clrMapOvr>
+  <p:timing>
+    <p:tnLst>
+      <p:par>
+        <p:cTn xmlns:p14="http://schemas.microsoft.com/office/powerpoint/2010/main" id="1" dur="indefinite" restart="never" nodeType="tmRoot"/>
+      </p:par>
+    </p:tnLst>
+  </p:timing>
 </p:sld>
 </file>
 
 <file path=ppt/slides/slide3.xml><?xml version="1.0" encoding="utf-8"?>
+<p:sld xmlns:a="http://schemas.openxmlformats.org/drawingml/2006/main" xmlns:r="http://schemas.openxmlformats.org/officeDocument/2006/relationships" xmlns:p="http://schemas.openxmlformats.org/presentationml/2006/main">
+  <p:cSld>
+    <p:spTree>
+      <p:nvGrpSpPr>
+        <p:cNvPr id="1" name=""/>
+        <p:cNvGrpSpPr/>
+        <p:nvPr/>
+      </p:nvGrpSpPr>
+      <p:grpSpPr>
+        <a:xfrm>
+          <a:off x="0" y="0"/>
+          <a:ext cx="0" cy="0"/>
+          <a:chOff x="0" y="0"/>
+          <a:chExt cx="0" cy="0"/>
+        </a:xfrm>
+      </p:grpSpPr>
+      <p:grpSp>
+        <p:nvGrpSpPr>
+          <p:cNvPr id="28" name="Group 27"/>
+          <p:cNvGrpSpPr/>
+          <p:nvPr/>
+        </p:nvGrpSpPr>
+        <p:grpSpPr>
+          <a:xfrm>
+            <a:off x="382694" y="399506"/>
+            <a:ext cx="3494273" cy="2934606"/>
+            <a:chOff x="382694" y="399506"/>
+            <a:chExt cx="3494273" cy="2934606"/>
+          </a:xfrm>
+        </p:grpSpPr>
+        <p:sp>
+          <p:nvSpPr>
+            <p:cNvPr id="79" name="Rectangle 78"/>
+            <p:cNvSpPr/>
+            <p:nvPr/>
+          </p:nvSpPr>
+          <p:spPr>
+            <a:xfrm>
+              <a:off x="1278868" y="971006"/>
+              <a:ext cx="45719" cy="190739"/>
+            </a:xfrm>
+            <a:prstGeom prst="rect">
+              <a:avLst/>
+            </a:prstGeom>
+          </p:spPr>
+          <p:style>
+            <a:lnRef idx="2">
+              <a:schemeClr val="dk1">
+                <a:shade val="50000"/>
+              </a:schemeClr>
+            </a:lnRef>
+            <a:fillRef idx="1">
+              <a:schemeClr val="dk1"/>
+            </a:fillRef>
+            <a:effectRef idx="0">
+              <a:schemeClr val="dk1"/>
+            </a:effectRef>
+            <a:fontRef idx="minor">
+              <a:schemeClr val="lt1"/>
+            </a:fontRef>
+          </p:style>
+          <p:txBody>
+            <a:bodyPr rtlCol="0" anchor="ctr"/>
+            <a:lstStyle/>
+            <a:p>
+              <a:pPr algn="ctr"/>
+              <a:endParaRPr lang="en-US"/>
+            </a:p>
+          </p:txBody>
+        </p:sp>
+        <p:sp>
+          <p:nvSpPr>
+            <p:cNvPr id="80" name="Rectangle 79"/>
+            <p:cNvSpPr/>
+            <p:nvPr/>
+          </p:nvSpPr>
+          <p:spPr>
+            <a:xfrm>
+              <a:off x="3599667" y="986881"/>
+              <a:ext cx="45719" cy="190739"/>
+            </a:xfrm>
+            <a:prstGeom prst="rect">
+              <a:avLst/>
+            </a:prstGeom>
+          </p:spPr>
+          <p:style>
+            <a:lnRef idx="2">
+              <a:schemeClr val="dk1">
+                <a:shade val="50000"/>
+              </a:schemeClr>
+            </a:lnRef>
+            <a:fillRef idx="1">
+              <a:schemeClr val="dk1"/>
+            </a:fillRef>
+            <a:effectRef idx="0">
+              <a:schemeClr val="dk1"/>
+            </a:effectRef>
+            <a:fontRef idx="minor">
+              <a:schemeClr val="lt1"/>
+            </a:fontRef>
+          </p:style>
+          <p:txBody>
+            <a:bodyPr rtlCol="0" anchor="ctr"/>
+            <a:lstStyle/>
+            <a:p>
+              <a:pPr algn="ctr"/>
+              <a:endParaRPr lang="en-US"/>
+            </a:p>
+          </p:txBody>
+        </p:sp>
+        <p:sp>
+          <p:nvSpPr>
+            <p:cNvPr id="81" name="Rectangle 80"/>
+            <p:cNvSpPr/>
+            <p:nvPr/>
+          </p:nvSpPr>
+          <p:spPr>
+            <a:xfrm>
+              <a:off x="1073256" y="399506"/>
+              <a:ext cx="2692717" cy="587375"/>
+            </a:xfrm>
+            <a:prstGeom prst="rect">
+              <a:avLst/>
+            </a:prstGeom>
+          </p:spPr>
+          <p:style>
+            <a:lnRef idx="2">
+              <a:schemeClr val="dk1"/>
+            </a:lnRef>
+            <a:fillRef idx="1">
+              <a:schemeClr val="lt1"/>
+            </a:fillRef>
+            <a:effectRef idx="0">
+              <a:schemeClr val="dk1"/>
+            </a:effectRef>
+            <a:fontRef idx="minor">
+              <a:schemeClr val="dk1"/>
+            </a:fontRef>
+          </p:style>
+          <p:txBody>
+            <a:bodyPr rtlCol="0" anchor="ctr"/>
+            <a:lstStyle/>
+            <a:p>
+              <a:pPr algn="ctr"/>
+              <a:r>
+                <a:rPr lang="en-US" sz="2400" b="1" dirty="0" smtClean="0">
+                  <a:latin typeface="ADAM.CG PRO"/>
+                  <a:cs typeface="ADAM.CG PRO"/>
+                </a:rPr>
+                <a:t>Stir-fry </a:t>
+              </a:r>
+              <a:r>
+                <a:rPr lang="en-US" sz="2400" b="1" dirty="0" smtClean="0">
+                  <a:latin typeface="ADAM.CG PRO"/>
+                  <a:cs typeface="ADAM.CG PRO"/>
+                </a:rPr>
+                <a:t>Shack</a:t>
+              </a:r>
+              <a:endParaRPr lang="en-US" sz="2400" b="1" dirty="0">
+                <a:latin typeface="ADAM.CG PRO"/>
+                <a:cs typeface="ADAM.CG PRO"/>
+              </a:endParaRPr>
+            </a:p>
+          </p:txBody>
+        </p:sp>
+        <p:sp>
+          <p:nvSpPr>
+            <p:cNvPr id="82" name="Rectangle 168"/>
+            <p:cNvSpPr/>
+            <p:nvPr/>
+          </p:nvSpPr>
+          <p:spPr>
+            <a:xfrm>
+              <a:off x="382694" y="1161745"/>
+              <a:ext cx="3383280" cy="1881014"/>
+            </a:xfrm>
+            <a:custGeom>
+              <a:avLst/>
+              <a:gdLst/>
+              <a:ahLst/>
+              <a:cxnLst/>
+              <a:rect l="l" t="t" r="r" b="b"/>
+              <a:pathLst>
+                <a:path w="3383280" h="1881014">
+                  <a:moveTo>
+                    <a:pt x="782490" y="0"/>
+                  </a:moveTo>
+                  <a:lnTo>
+                    <a:pt x="3383280" y="0"/>
+                  </a:lnTo>
+                  <a:lnTo>
+                    <a:pt x="3383280" y="1881014"/>
+                  </a:lnTo>
+                  <a:lnTo>
+                    <a:pt x="0" y="1881014"/>
+                  </a:lnTo>
+                  <a:lnTo>
+                    <a:pt x="0" y="1121651"/>
+                  </a:lnTo>
+                  <a:lnTo>
+                    <a:pt x="300207" y="975857"/>
+                  </a:lnTo>
+                  <a:lnTo>
+                    <a:pt x="300207" y="993082"/>
+                  </a:lnTo>
+                  <a:lnTo>
+                    <a:pt x="311154" y="970541"/>
+                  </a:lnTo>
+                  <a:lnTo>
+                    <a:pt x="341690" y="955711"/>
+                  </a:lnTo>
+                  <a:lnTo>
+                    <a:pt x="318356" y="955711"/>
+                  </a:lnTo>
+                  <a:close/>
+                </a:path>
+              </a:pathLst>
+            </a:custGeom>
+            <a:solidFill>
+              <a:schemeClr val="bg1"/>
+            </a:solidFill>
+            <a:ln/>
+          </p:spPr>
+          <p:style>
+            <a:lnRef idx="2">
+              <a:schemeClr val="dk1"/>
+            </a:lnRef>
+            <a:fillRef idx="1">
+              <a:schemeClr val="lt1"/>
+            </a:fillRef>
+            <a:effectRef idx="0">
+              <a:schemeClr val="dk1"/>
+            </a:effectRef>
+            <a:fontRef idx="minor">
+              <a:schemeClr val="dk1"/>
+            </a:fontRef>
+          </p:style>
+          <p:txBody>
+            <a:bodyPr rtlCol="0" anchor="ctr"/>
+            <a:lstStyle/>
+            <a:p>
+              <a:pPr algn="ctr"/>
+              <a:endParaRPr lang="en-US"/>
+            </a:p>
+          </p:txBody>
+        </p:sp>
+        <p:pic>
+          <p:nvPicPr>
+            <p:cNvPr id="27" name="Picture 26" descr="yellow-sun-rays-png-2.png"/>
+            <p:cNvPicPr>
+              <a:picLocks noChangeAspect="1"/>
+            </p:cNvPicPr>
+            <p:nvPr/>
+          </p:nvPicPr>
+          <p:blipFill rotWithShape="1">
+            <a:blip r:embed="rId3">
+              <a:extLst>
+                <a:ext uri="{28A0092B-C50C-407E-A947-70E740481C1C}">
+                  <a14:useLocalDpi xmlns:a14="http://schemas.microsoft.com/office/drawing/2010/main" val="0"/>
+                </a:ext>
+              </a:extLst>
+            </a:blip>
+            <a:srcRect b="38849"/>
+            <a:stretch/>
+          </p:blipFill>
+          <p:spPr>
+            <a:xfrm>
+              <a:off x="800953" y="1160251"/>
+              <a:ext cx="3076014" cy="1881014"/>
+            </a:xfrm>
+            <a:prstGeom prst="rect">
+              <a:avLst/>
+            </a:prstGeom>
+          </p:spPr>
+        </p:pic>
+        <p:grpSp>
+          <p:nvGrpSpPr>
+            <p:cNvPr id="83" name="Group 82"/>
+            <p:cNvGrpSpPr/>
+            <p:nvPr/>
+          </p:nvGrpSpPr>
+          <p:grpSpPr>
+            <a:xfrm>
+              <a:off x="1644022" y="1296071"/>
+              <a:ext cx="1882195" cy="803982"/>
+              <a:chOff x="1625382" y="4880780"/>
+              <a:chExt cx="1444172" cy="925286"/>
+            </a:xfrm>
+          </p:grpSpPr>
+          <p:sp>
+            <p:nvSpPr>
+              <p:cNvPr id="89" name="Rectangle 88"/>
+              <p:cNvSpPr/>
+              <p:nvPr/>
+            </p:nvSpPr>
+            <p:spPr>
+              <a:xfrm>
+                <a:off x="1625382" y="4880780"/>
+                <a:ext cx="1444172" cy="925286"/>
+              </a:xfrm>
+              <a:prstGeom prst="rect">
+                <a:avLst/>
+              </a:prstGeom>
+              <a:solidFill>
+                <a:schemeClr val="accent1">
+                  <a:lumMod val="20000"/>
+                  <a:lumOff val="80000"/>
+                </a:schemeClr>
+              </a:solidFill>
+              <a:ln w="38100" cmpd="sng">
+                <a:solidFill>
+                  <a:schemeClr val="accent1">
+                    <a:lumMod val="60000"/>
+                    <a:lumOff val="40000"/>
+                  </a:schemeClr>
+                </a:solidFill>
+              </a:ln>
+            </p:spPr>
+            <p:style>
+              <a:lnRef idx="2">
+                <a:schemeClr val="dk1"/>
+              </a:lnRef>
+              <a:fillRef idx="1">
+                <a:schemeClr val="lt1"/>
+              </a:fillRef>
+              <a:effectRef idx="0">
+                <a:schemeClr val="dk1"/>
+              </a:effectRef>
+              <a:fontRef idx="minor">
+                <a:schemeClr val="dk1"/>
+              </a:fontRef>
+            </p:style>
+            <p:txBody>
+              <a:bodyPr rtlCol="0" anchor="ctr"/>
+              <a:lstStyle/>
+              <a:p>
+                <a:pPr algn="ctr"/>
+                <a:endParaRPr lang="en-US"/>
+              </a:p>
+            </p:txBody>
+          </p:sp>
+          <p:sp>
+            <p:nvSpPr>
+              <p:cNvPr id="90" name="Parallelogram 89"/>
+              <p:cNvSpPr/>
+              <p:nvPr/>
+            </p:nvSpPr>
+            <p:spPr>
+              <a:xfrm>
+                <a:off x="2047441" y="4920944"/>
+                <a:ext cx="676656" cy="855917"/>
+              </a:xfrm>
+              <a:prstGeom prst="parallelogram">
+                <a:avLst>
+                  <a:gd name="adj" fmla="val 65219"/>
+                </a:avLst>
+              </a:prstGeom>
+              <a:solidFill>
+                <a:schemeClr val="bg1"/>
+              </a:solidFill>
+              <a:ln>
+                <a:noFill/>
+              </a:ln>
+            </p:spPr>
+            <p:style>
+              <a:lnRef idx="2">
+                <a:schemeClr val="dk1"/>
+              </a:lnRef>
+              <a:fillRef idx="1">
+                <a:schemeClr val="lt1"/>
+              </a:fillRef>
+              <a:effectRef idx="0">
+                <a:schemeClr val="dk1"/>
+              </a:effectRef>
+              <a:fontRef idx="minor">
+                <a:schemeClr val="dk1"/>
+              </a:fontRef>
+            </p:style>
+            <p:txBody>
+              <a:bodyPr rtlCol="0" anchor="ctr"/>
+              <a:lstStyle/>
+              <a:p>
+                <a:pPr algn="ctr"/>
+                <a:endParaRPr lang="en-US"/>
+              </a:p>
+            </p:txBody>
+          </p:sp>
+        </p:grpSp>
+        <p:sp>
+          <p:nvSpPr>
+            <p:cNvPr id="85" name="Isosceles Triangle 84"/>
+            <p:cNvSpPr/>
+            <p:nvPr/>
+          </p:nvSpPr>
+          <p:spPr>
+            <a:xfrm>
+              <a:off x="863964" y="1330970"/>
+              <a:ext cx="418586" cy="753539"/>
+            </a:xfrm>
+            <a:prstGeom prst="triangle">
+              <a:avLst>
+                <a:gd name="adj" fmla="val 85841"/>
+              </a:avLst>
+            </a:prstGeom>
+            <a:solidFill>
+              <a:schemeClr val="accent1">
+                <a:lumMod val="20000"/>
+                <a:lumOff val="80000"/>
+              </a:schemeClr>
+            </a:solidFill>
+            <a:ln>
+              <a:solidFill>
+                <a:schemeClr val="accent1">
+                  <a:lumMod val="60000"/>
+                  <a:lumOff val="40000"/>
+                </a:schemeClr>
+              </a:solidFill>
+            </a:ln>
+          </p:spPr>
+          <p:style>
+            <a:lnRef idx="2">
+              <a:schemeClr val="dk1"/>
+            </a:lnRef>
+            <a:fillRef idx="1">
+              <a:schemeClr val="lt1"/>
+            </a:fillRef>
+            <a:effectRef idx="0">
+              <a:schemeClr val="dk1"/>
+            </a:effectRef>
+            <a:fontRef idx="minor">
+              <a:schemeClr val="dk1"/>
+            </a:fontRef>
+          </p:style>
+          <p:txBody>
+            <a:bodyPr rtlCol="0" anchor="ctr"/>
+            <a:lstStyle/>
+            <a:p>
+              <a:pPr algn="ctr"/>
+              <a:endParaRPr lang="en-US" dirty="0"/>
+            </a:p>
+          </p:txBody>
+        </p:sp>
+        <p:sp>
+          <p:nvSpPr>
+            <p:cNvPr id="15" name="Oval 14"/>
+            <p:cNvSpPr/>
+            <p:nvPr/>
+          </p:nvSpPr>
+          <p:spPr>
+            <a:xfrm>
+              <a:off x="1799167" y="2131802"/>
+              <a:ext cx="868680" cy="868680"/>
+            </a:xfrm>
+            <a:prstGeom prst="ellipse">
+              <a:avLst/>
+            </a:prstGeom>
+            <a:solidFill>
+              <a:srgbClr val="FFD409"/>
+            </a:solidFill>
+            <a:ln>
+              <a:noFill/>
+            </a:ln>
+          </p:spPr>
+          <p:style>
+            <a:lnRef idx="2">
+              <a:schemeClr val="dk1"/>
+            </a:lnRef>
+            <a:fillRef idx="1">
+              <a:schemeClr val="lt1"/>
+            </a:fillRef>
+            <a:effectRef idx="0">
+              <a:schemeClr val="dk1"/>
+            </a:effectRef>
+            <a:fontRef idx="minor">
+              <a:schemeClr val="dk1"/>
+            </a:fontRef>
+          </p:style>
+          <p:txBody>
+            <a:bodyPr rtlCol="0" anchor="ctr"/>
+            <a:lstStyle/>
+            <a:p>
+              <a:pPr algn="ctr"/>
+              <a:endParaRPr lang="en-US"/>
+            </a:p>
+          </p:txBody>
+        </p:sp>
+        <p:pic>
+          <p:nvPicPr>
+            <p:cNvPr id="26" name="Picture 25" descr="004-rice.png"/>
+            <p:cNvPicPr>
+              <a:picLocks noChangeAspect="1"/>
+            </p:cNvPicPr>
+            <p:nvPr/>
+          </p:nvPicPr>
+          <p:blipFill>
+            <a:blip r:embed="rId4">
+              <a:extLst>
+                <a:ext uri="{28A0092B-C50C-407E-A947-70E740481C1C}">
+                  <a14:useLocalDpi xmlns:a14="http://schemas.microsoft.com/office/drawing/2010/main" val="0"/>
+                </a:ext>
+              </a:extLst>
+            </a:blip>
+            <a:stretch>
+              <a:fillRect/>
+            </a:stretch>
+          </p:blipFill>
+          <p:spPr>
+            <a:xfrm>
+              <a:off x="1795068" y="2061948"/>
+              <a:ext cx="948644" cy="948644"/>
+            </a:xfrm>
+            <a:prstGeom prst="rect">
+              <a:avLst/>
+            </a:prstGeom>
+          </p:spPr>
+        </p:pic>
+        <p:grpSp>
+          <p:nvGrpSpPr>
+            <p:cNvPr id="67" name="Group 66"/>
+            <p:cNvGrpSpPr/>
+            <p:nvPr/>
+          </p:nvGrpSpPr>
+          <p:grpSpPr>
+            <a:xfrm>
+              <a:off x="734929" y="2777381"/>
+              <a:ext cx="556731" cy="556731"/>
+              <a:chOff x="800953" y="6096000"/>
+              <a:chExt cx="556731" cy="556731"/>
+            </a:xfrm>
+          </p:grpSpPr>
+          <p:sp>
+            <p:nvSpPr>
+              <p:cNvPr id="77" name="Oval 76"/>
+              <p:cNvSpPr/>
+              <p:nvPr/>
+            </p:nvSpPr>
+            <p:spPr>
+              <a:xfrm>
+                <a:off x="800953" y="6096000"/>
+                <a:ext cx="556731" cy="556731"/>
+              </a:xfrm>
+              <a:prstGeom prst="ellipse">
+                <a:avLst/>
+              </a:prstGeom>
+            </p:spPr>
+            <p:style>
+              <a:lnRef idx="2">
+                <a:schemeClr val="dk1">
+                  <a:shade val="50000"/>
+                </a:schemeClr>
+              </a:lnRef>
+              <a:fillRef idx="1">
+                <a:schemeClr val="dk1"/>
+              </a:fillRef>
+              <a:effectRef idx="0">
+                <a:schemeClr val="dk1"/>
+              </a:effectRef>
+              <a:fontRef idx="minor">
+                <a:schemeClr val="lt1"/>
+              </a:fontRef>
+            </p:style>
+            <p:txBody>
+              <a:bodyPr rtlCol="0" anchor="ctr"/>
+              <a:lstStyle/>
+              <a:p>
+                <a:pPr algn="ctr"/>
+                <a:endParaRPr lang="en-US"/>
+              </a:p>
+            </p:txBody>
+          </p:sp>
+          <p:sp>
+            <p:nvSpPr>
+              <p:cNvPr id="78" name="Oval 77"/>
+              <p:cNvSpPr/>
+              <p:nvPr/>
+            </p:nvSpPr>
+            <p:spPr>
+              <a:xfrm>
+                <a:off x="919661" y="6214708"/>
+                <a:ext cx="319314" cy="319314"/>
+              </a:xfrm>
+              <a:prstGeom prst="ellipse">
+                <a:avLst/>
+              </a:prstGeom>
+            </p:spPr>
+            <p:style>
+              <a:lnRef idx="2">
+                <a:schemeClr val="dk1"/>
+              </a:lnRef>
+              <a:fillRef idx="1">
+                <a:schemeClr val="lt1"/>
+              </a:fillRef>
+              <a:effectRef idx="0">
+                <a:schemeClr val="dk1"/>
+              </a:effectRef>
+              <a:fontRef idx="minor">
+                <a:schemeClr val="dk1"/>
+              </a:fontRef>
+            </p:style>
+            <p:txBody>
+              <a:bodyPr rtlCol="0" anchor="ctr"/>
+              <a:lstStyle/>
+              <a:p>
+                <a:pPr algn="ctr"/>
+                <a:endParaRPr lang="en-US"/>
+              </a:p>
+            </p:txBody>
+          </p:sp>
+        </p:grpSp>
+        <p:grpSp>
+          <p:nvGrpSpPr>
+            <p:cNvPr id="68" name="Group 67"/>
+            <p:cNvGrpSpPr/>
+            <p:nvPr/>
+          </p:nvGrpSpPr>
+          <p:grpSpPr>
+            <a:xfrm>
+              <a:off x="2884822" y="2777381"/>
+              <a:ext cx="556731" cy="556731"/>
+              <a:chOff x="800953" y="6096000"/>
+              <a:chExt cx="556731" cy="556731"/>
+            </a:xfrm>
+          </p:grpSpPr>
+          <p:sp>
+            <p:nvSpPr>
+              <p:cNvPr id="75" name="Oval 74"/>
+              <p:cNvSpPr/>
+              <p:nvPr/>
+            </p:nvSpPr>
+            <p:spPr>
+              <a:xfrm>
+                <a:off x="800953" y="6096000"/>
+                <a:ext cx="556731" cy="556731"/>
+              </a:xfrm>
+              <a:prstGeom prst="ellipse">
+                <a:avLst/>
+              </a:prstGeom>
+            </p:spPr>
+            <p:style>
+              <a:lnRef idx="2">
+                <a:schemeClr val="dk1">
+                  <a:shade val="50000"/>
+                </a:schemeClr>
+              </a:lnRef>
+              <a:fillRef idx="1">
+                <a:schemeClr val="dk1"/>
+              </a:fillRef>
+              <a:effectRef idx="0">
+                <a:schemeClr val="dk1"/>
+              </a:effectRef>
+              <a:fontRef idx="minor">
+                <a:schemeClr val="lt1"/>
+              </a:fontRef>
+            </p:style>
+            <p:txBody>
+              <a:bodyPr rtlCol="0" anchor="ctr"/>
+              <a:lstStyle/>
+              <a:p>
+                <a:pPr algn="ctr"/>
+                <a:endParaRPr lang="en-US"/>
+              </a:p>
+            </p:txBody>
+          </p:sp>
+          <p:sp>
+            <p:nvSpPr>
+              <p:cNvPr id="76" name="Oval 75"/>
+              <p:cNvSpPr/>
+              <p:nvPr/>
+            </p:nvSpPr>
+            <p:spPr>
+              <a:xfrm>
+                <a:off x="919661" y="6214708"/>
+                <a:ext cx="319314" cy="319314"/>
+              </a:xfrm>
+              <a:prstGeom prst="ellipse">
+                <a:avLst/>
+              </a:prstGeom>
+            </p:spPr>
+            <p:style>
+              <a:lnRef idx="2">
+                <a:schemeClr val="dk1"/>
+              </a:lnRef>
+              <a:fillRef idx="1">
+                <a:schemeClr val="lt1"/>
+              </a:fillRef>
+              <a:effectRef idx="0">
+                <a:schemeClr val="dk1"/>
+              </a:effectRef>
+              <a:fontRef idx="minor">
+                <a:schemeClr val="dk1"/>
+              </a:fontRef>
+            </p:style>
+            <p:txBody>
+              <a:bodyPr rtlCol="0" anchor="ctr"/>
+              <a:lstStyle/>
+              <a:p>
+                <a:pPr algn="ctr"/>
+                <a:endParaRPr lang="en-US"/>
+              </a:p>
+            </p:txBody>
+          </p:sp>
+        </p:grpSp>
+      </p:grpSp>
+      <p:sp>
+        <p:nvSpPr>
+          <p:cNvPr id="61" name="TextBox 60"/>
+          <p:cNvSpPr txBox="1"/>
+          <p:nvPr/>
+        </p:nvSpPr>
+        <p:spPr>
+          <a:xfrm>
+            <a:off x="0" y="0"/>
+            <a:ext cx="1880405" cy="369332"/>
+          </a:xfrm>
+          <a:prstGeom prst="rect">
+            <a:avLst/>
+          </a:prstGeom>
+          <a:noFill/>
+        </p:spPr>
+        <p:txBody>
+          <a:bodyPr wrap="none" rtlCol="0">
+            <a:spAutoFit/>
+          </a:bodyPr>
+          <a:lstStyle/>
+          <a:p>
+            <a:r>
+              <a:rPr lang="en-US" dirty="0" smtClean="0"/>
+              <a:t>V2 – 3 </a:t>
+            </a:r>
+            <a:r>
+              <a:rPr lang="en-US" dirty="0" smtClean="0"/>
+              <a:t>food trucks</a:t>
+            </a:r>
+            <a:endParaRPr lang="en-US" dirty="0"/>
+          </a:p>
+        </p:txBody>
+      </p:sp>
+      <p:sp>
+        <p:nvSpPr>
+          <p:cNvPr id="8" name="TextBox 7"/>
+          <p:cNvSpPr txBox="1"/>
+          <p:nvPr/>
+        </p:nvSpPr>
+        <p:spPr>
+          <a:xfrm>
+            <a:off x="0" y="6488668"/>
+            <a:ext cx="3977960" cy="369332"/>
+          </a:xfrm>
+          <a:prstGeom prst="rect">
+            <a:avLst/>
+          </a:prstGeom>
+          <a:noFill/>
+        </p:spPr>
+        <p:txBody>
+          <a:bodyPr wrap="none" rtlCol="0">
+            <a:spAutoFit/>
+          </a:bodyPr>
+          <a:lstStyle/>
+          <a:p>
+            <a:r>
+              <a:rPr lang="en-US" dirty="0" smtClean="0"/>
+              <a:t>Icons by </a:t>
+            </a:r>
+            <a:r>
+              <a:rPr lang="en-US" dirty="0" err="1" smtClean="0"/>
+              <a:t>Freepik</a:t>
+            </a:r>
+            <a:r>
+              <a:rPr lang="en-US" dirty="0" smtClean="0"/>
+              <a:t> from </a:t>
+            </a:r>
+            <a:r>
+              <a:rPr lang="en-US" dirty="0" err="1" smtClean="0"/>
+              <a:t>www.flaticon.com</a:t>
+            </a:r>
+            <a:endParaRPr lang="en-US" dirty="0"/>
+          </a:p>
+        </p:txBody>
+      </p:sp>
+      <p:grpSp>
+        <p:nvGrpSpPr>
+          <p:cNvPr id="30" name="Group 29"/>
+          <p:cNvGrpSpPr/>
+          <p:nvPr/>
+        </p:nvGrpSpPr>
+        <p:grpSpPr>
+          <a:xfrm>
+            <a:off x="448718" y="3486986"/>
+            <a:ext cx="3383280" cy="2934606"/>
+            <a:chOff x="448718" y="3486986"/>
+            <a:chExt cx="3383280" cy="2934606"/>
+          </a:xfrm>
+        </p:grpSpPr>
+        <p:grpSp>
+          <p:nvGrpSpPr>
+            <p:cNvPr id="7" name="Group 6"/>
+            <p:cNvGrpSpPr/>
+            <p:nvPr/>
+          </p:nvGrpSpPr>
+          <p:grpSpPr>
+            <a:xfrm>
+              <a:off x="448718" y="3486986"/>
+              <a:ext cx="3383280" cy="2934606"/>
+              <a:chOff x="448718" y="3718125"/>
+              <a:chExt cx="3383280" cy="2934606"/>
+            </a:xfrm>
+          </p:grpSpPr>
+          <p:grpSp>
+            <p:nvGrpSpPr>
+              <p:cNvPr id="5" name="Group 4"/>
+              <p:cNvGrpSpPr/>
+              <p:nvPr/>
+            </p:nvGrpSpPr>
+            <p:grpSpPr>
+              <a:xfrm>
+                <a:off x="448718" y="3718125"/>
+                <a:ext cx="3383280" cy="2643253"/>
+                <a:chOff x="448718" y="3718125"/>
+                <a:chExt cx="3383280" cy="2643253"/>
+              </a:xfrm>
+            </p:grpSpPr>
+            <p:sp>
+              <p:nvSpPr>
+                <p:cNvPr id="166" name="Rectangle 165"/>
+                <p:cNvSpPr/>
+                <p:nvPr/>
+              </p:nvSpPr>
+              <p:spPr>
+                <a:xfrm>
+                  <a:off x="1344892" y="4289625"/>
+                  <a:ext cx="45719" cy="190739"/>
+                </a:xfrm>
+                <a:prstGeom prst="rect">
+                  <a:avLst/>
+                </a:prstGeom>
+              </p:spPr>
+              <p:style>
+                <a:lnRef idx="2">
+                  <a:schemeClr val="dk1">
+                    <a:shade val="50000"/>
+                  </a:schemeClr>
+                </a:lnRef>
+                <a:fillRef idx="1">
+                  <a:schemeClr val="dk1"/>
+                </a:fillRef>
+                <a:effectRef idx="0">
+                  <a:schemeClr val="dk1"/>
+                </a:effectRef>
+                <a:fontRef idx="minor">
+                  <a:schemeClr val="lt1"/>
+                </a:fontRef>
+              </p:style>
+              <p:txBody>
+                <a:bodyPr rtlCol="0" anchor="ctr"/>
+                <a:lstStyle/>
+                <a:p>
+                  <a:pPr algn="ctr"/>
+                  <a:endParaRPr lang="en-US"/>
+                </a:p>
+              </p:txBody>
+            </p:sp>
+            <p:sp>
+              <p:nvSpPr>
+                <p:cNvPr id="167" name="Rectangle 166"/>
+                <p:cNvSpPr/>
+                <p:nvPr/>
+              </p:nvSpPr>
+              <p:spPr>
+                <a:xfrm>
+                  <a:off x="3665691" y="4305500"/>
+                  <a:ext cx="45719" cy="190739"/>
+                </a:xfrm>
+                <a:prstGeom prst="rect">
+                  <a:avLst/>
+                </a:prstGeom>
+              </p:spPr>
+              <p:style>
+                <a:lnRef idx="2">
+                  <a:schemeClr val="dk1">
+                    <a:shade val="50000"/>
+                  </a:schemeClr>
+                </a:lnRef>
+                <a:fillRef idx="1">
+                  <a:schemeClr val="dk1"/>
+                </a:fillRef>
+                <a:effectRef idx="0">
+                  <a:schemeClr val="dk1"/>
+                </a:effectRef>
+                <a:fontRef idx="minor">
+                  <a:schemeClr val="lt1"/>
+                </a:fontRef>
+              </p:style>
+              <p:txBody>
+                <a:bodyPr rtlCol="0" anchor="ctr"/>
+                <a:lstStyle/>
+                <a:p>
+                  <a:pPr algn="ctr"/>
+                  <a:endParaRPr lang="en-US"/>
+                </a:p>
+              </p:txBody>
+            </p:sp>
+            <p:sp>
+              <p:nvSpPr>
+                <p:cNvPr id="168" name="Rectangle 167"/>
+                <p:cNvSpPr/>
+                <p:nvPr/>
+              </p:nvSpPr>
+              <p:spPr>
+                <a:xfrm>
+                  <a:off x="1139280" y="3718125"/>
+                  <a:ext cx="2692717" cy="587375"/>
+                </a:xfrm>
+                <a:prstGeom prst="rect">
+                  <a:avLst/>
+                </a:prstGeom>
+              </p:spPr>
+              <p:style>
+                <a:lnRef idx="2">
+                  <a:schemeClr val="dk1"/>
+                </a:lnRef>
+                <a:fillRef idx="1">
+                  <a:schemeClr val="lt1"/>
+                </a:fillRef>
+                <a:effectRef idx="0">
+                  <a:schemeClr val="dk1"/>
+                </a:effectRef>
+                <a:fontRef idx="minor">
+                  <a:schemeClr val="dk1"/>
+                </a:fontRef>
+              </p:style>
+              <p:txBody>
+                <a:bodyPr rtlCol="0" anchor="ctr"/>
+                <a:lstStyle/>
+                <a:p>
+                  <a:pPr algn="ctr"/>
+                  <a:r>
+                    <a:rPr lang="en-US" sz="2800" b="1" dirty="0" smtClean="0">
+                      <a:latin typeface="Chewy"/>
+                      <a:cs typeface="Chewy"/>
+                    </a:rPr>
+                    <a:t>TACO TOWN</a:t>
+                  </a:r>
+                  <a:endParaRPr lang="en-US" sz="2800" b="1" dirty="0">
+                    <a:latin typeface="Chewy"/>
+                    <a:cs typeface="Chewy"/>
+                  </a:endParaRPr>
+                </a:p>
+              </p:txBody>
+            </p:sp>
+            <p:sp>
+              <p:nvSpPr>
+                <p:cNvPr id="169" name="Rectangle 168"/>
+                <p:cNvSpPr/>
+                <p:nvPr/>
+              </p:nvSpPr>
+              <p:spPr>
+                <a:xfrm>
+                  <a:off x="448718" y="4480364"/>
+                  <a:ext cx="3383280" cy="1881014"/>
+                </a:xfrm>
+                <a:custGeom>
+                  <a:avLst/>
+                  <a:gdLst/>
+                  <a:ahLst/>
+                  <a:cxnLst/>
+                  <a:rect l="l" t="t" r="r" b="b"/>
+                  <a:pathLst>
+                    <a:path w="3383280" h="1881014">
+                      <a:moveTo>
+                        <a:pt x="782490" y="0"/>
+                      </a:moveTo>
+                      <a:lnTo>
+                        <a:pt x="3383280" y="0"/>
+                      </a:lnTo>
+                      <a:lnTo>
+                        <a:pt x="3383280" y="1881014"/>
+                      </a:lnTo>
+                      <a:lnTo>
+                        <a:pt x="0" y="1881014"/>
+                      </a:lnTo>
+                      <a:lnTo>
+                        <a:pt x="0" y="1121651"/>
+                      </a:lnTo>
+                      <a:lnTo>
+                        <a:pt x="300207" y="975857"/>
+                      </a:lnTo>
+                      <a:lnTo>
+                        <a:pt x="300207" y="993082"/>
+                      </a:lnTo>
+                      <a:lnTo>
+                        <a:pt x="311154" y="970541"/>
+                      </a:lnTo>
+                      <a:lnTo>
+                        <a:pt x="341690" y="955711"/>
+                      </a:lnTo>
+                      <a:lnTo>
+                        <a:pt x="318356" y="955711"/>
+                      </a:lnTo>
+                      <a:close/>
+                    </a:path>
+                  </a:pathLst>
+                </a:custGeom>
+                <a:solidFill>
+                  <a:schemeClr val="bg1"/>
+                </a:solidFill>
+                <a:ln/>
+              </p:spPr>
+              <p:style>
+                <a:lnRef idx="2">
+                  <a:schemeClr val="dk1"/>
+                </a:lnRef>
+                <a:fillRef idx="1">
+                  <a:schemeClr val="lt1"/>
+                </a:fillRef>
+                <a:effectRef idx="0">
+                  <a:schemeClr val="dk1"/>
+                </a:effectRef>
+                <a:fontRef idx="minor">
+                  <a:schemeClr val="dk1"/>
+                </a:fontRef>
+              </p:style>
+              <p:txBody>
+                <a:bodyPr rtlCol="0" anchor="ctr"/>
+                <a:lstStyle/>
+                <a:p>
+                  <a:pPr algn="ctr"/>
+                  <a:endParaRPr lang="en-US"/>
+                </a:p>
+              </p:txBody>
+            </p:sp>
+            <p:grpSp>
+              <p:nvGrpSpPr>
+                <p:cNvPr id="202" name="Group 201"/>
+                <p:cNvGrpSpPr/>
+                <p:nvPr/>
+              </p:nvGrpSpPr>
+              <p:grpSpPr>
+                <a:xfrm>
+                  <a:off x="1710046" y="4614690"/>
+                  <a:ext cx="1882195" cy="803982"/>
+                  <a:chOff x="1625382" y="4880780"/>
+                  <a:chExt cx="1444172" cy="925286"/>
+                </a:xfrm>
+              </p:grpSpPr>
+              <p:sp>
+                <p:nvSpPr>
+                  <p:cNvPr id="171" name="Rectangle 170"/>
+                  <p:cNvSpPr/>
+                  <p:nvPr/>
+                </p:nvSpPr>
+                <p:spPr>
+                  <a:xfrm>
+                    <a:off x="1625382" y="4880780"/>
+                    <a:ext cx="1444172" cy="925286"/>
+                  </a:xfrm>
+                  <a:prstGeom prst="rect">
+                    <a:avLst/>
+                  </a:prstGeom>
+                  <a:solidFill>
+                    <a:schemeClr val="accent1">
+                      <a:lumMod val="20000"/>
+                      <a:lumOff val="80000"/>
+                    </a:schemeClr>
+                  </a:solidFill>
+                  <a:ln w="38100" cmpd="sng">
+                    <a:solidFill>
+                      <a:schemeClr val="accent1">
+                        <a:lumMod val="60000"/>
+                        <a:lumOff val="40000"/>
+                      </a:schemeClr>
+                    </a:solidFill>
+                  </a:ln>
+                </p:spPr>
+                <p:style>
+                  <a:lnRef idx="2">
+                    <a:schemeClr val="dk1"/>
+                  </a:lnRef>
+                  <a:fillRef idx="1">
+                    <a:schemeClr val="lt1"/>
+                  </a:fillRef>
+                  <a:effectRef idx="0">
+                    <a:schemeClr val="dk1"/>
+                  </a:effectRef>
+                  <a:fontRef idx="minor">
+                    <a:schemeClr val="dk1"/>
+                  </a:fontRef>
+                </p:style>
+                <p:txBody>
+                  <a:bodyPr rtlCol="0" anchor="ctr"/>
+                  <a:lstStyle/>
+                  <a:p>
+                    <a:pPr algn="ctr"/>
+                    <a:endParaRPr lang="en-US"/>
+                  </a:p>
+                </p:txBody>
+              </p:sp>
+              <p:sp>
+                <p:nvSpPr>
+                  <p:cNvPr id="183" name="Parallelogram 182"/>
+                  <p:cNvSpPr/>
+                  <p:nvPr/>
+                </p:nvSpPr>
+                <p:spPr>
+                  <a:xfrm>
+                    <a:off x="2047441" y="4920944"/>
+                    <a:ext cx="676656" cy="855917"/>
+                  </a:xfrm>
+                  <a:prstGeom prst="parallelogram">
+                    <a:avLst>
+                      <a:gd name="adj" fmla="val 65219"/>
+                    </a:avLst>
+                  </a:prstGeom>
+                  <a:solidFill>
+                    <a:schemeClr val="bg1"/>
+                  </a:solidFill>
+                  <a:ln>
+                    <a:noFill/>
+                  </a:ln>
+                </p:spPr>
+                <p:style>
+                  <a:lnRef idx="2">
+                    <a:schemeClr val="dk1"/>
+                  </a:lnRef>
+                  <a:fillRef idx="1">
+                    <a:schemeClr val="lt1"/>
+                  </a:fillRef>
+                  <a:effectRef idx="0">
+                    <a:schemeClr val="dk1"/>
+                  </a:effectRef>
+                  <a:fontRef idx="minor">
+                    <a:schemeClr val="dk1"/>
+                  </a:fontRef>
+                </p:style>
+                <p:txBody>
+                  <a:bodyPr rtlCol="0" anchor="ctr"/>
+                  <a:lstStyle/>
+                  <a:p>
+                    <a:pPr algn="ctr"/>
+                    <a:endParaRPr lang="en-US"/>
+                  </a:p>
+                </p:txBody>
+              </p:sp>
+            </p:grpSp>
+            <p:sp>
+              <p:nvSpPr>
+                <p:cNvPr id="203" name="Rectangle 202"/>
+                <p:cNvSpPr/>
+                <p:nvPr/>
+              </p:nvSpPr>
+              <p:spPr>
+                <a:xfrm>
+                  <a:off x="1659034" y="5418672"/>
+                  <a:ext cx="2029968" cy="84667"/>
+                </a:xfrm>
+                <a:prstGeom prst="rect">
+                  <a:avLst/>
+                </a:prstGeom>
+                <a:solidFill>
+                  <a:srgbClr val="FF0000"/>
+                </a:solidFill>
+                <a:ln>
+                  <a:noFill/>
+                </a:ln>
+              </p:spPr>
+              <p:style>
+                <a:lnRef idx="2">
+                  <a:schemeClr val="dk1"/>
+                </a:lnRef>
+                <a:fillRef idx="1">
+                  <a:schemeClr val="lt1"/>
+                </a:fillRef>
+                <a:effectRef idx="0">
+                  <a:schemeClr val="dk1"/>
+                </a:effectRef>
+                <a:fontRef idx="minor">
+                  <a:schemeClr val="dk1"/>
+                </a:fontRef>
+              </p:style>
+              <p:txBody>
+                <a:bodyPr rtlCol="0" anchor="ctr"/>
+                <a:lstStyle/>
+                <a:p>
+                  <a:pPr algn="ctr"/>
+                  <a:endParaRPr lang="en-US"/>
+                </a:p>
+              </p:txBody>
+            </p:sp>
+            <p:sp>
+              <p:nvSpPr>
+                <p:cNvPr id="206" name="Isosceles Triangle 205"/>
+                <p:cNvSpPr/>
+                <p:nvPr/>
+              </p:nvSpPr>
+              <p:spPr>
+                <a:xfrm>
+                  <a:off x="929988" y="4649589"/>
+                  <a:ext cx="418586" cy="753539"/>
+                </a:xfrm>
+                <a:prstGeom prst="triangle">
+                  <a:avLst>
+                    <a:gd name="adj" fmla="val 85841"/>
+                  </a:avLst>
+                </a:prstGeom>
+                <a:solidFill>
+                  <a:schemeClr val="accent1">
+                    <a:lumMod val="20000"/>
+                    <a:lumOff val="80000"/>
+                  </a:schemeClr>
+                </a:solidFill>
+                <a:ln>
+                  <a:solidFill>
+                    <a:schemeClr val="accent1">
+                      <a:lumMod val="60000"/>
+                      <a:lumOff val="40000"/>
+                    </a:schemeClr>
+                  </a:solidFill>
+                </a:ln>
+              </p:spPr>
+              <p:style>
+                <a:lnRef idx="2">
+                  <a:schemeClr val="dk1"/>
+                </a:lnRef>
+                <a:fillRef idx="1">
+                  <a:schemeClr val="lt1"/>
+                </a:fillRef>
+                <a:effectRef idx="0">
+                  <a:schemeClr val="dk1"/>
+                </a:effectRef>
+                <a:fontRef idx="minor">
+                  <a:schemeClr val="dk1"/>
+                </a:fontRef>
+              </p:style>
+              <p:txBody>
+                <a:bodyPr rtlCol="0" anchor="ctr"/>
+                <a:lstStyle/>
+                <a:p>
+                  <a:pPr algn="ctr"/>
+                  <a:endParaRPr lang="en-US" dirty="0"/>
+                </a:p>
+              </p:txBody>
+            </p:sp>
+            <p:sp>
+              <p:nvSpPr>
+                <p:cNvPr id="207" name="Rectangle 206"/>
+                <p:cNvSpPr/>
+                <p:nvPr/>
+              </p:nvSpPr>
+              <p:spPr>
+                <a:xfrm>
+                  <a:off x="471809" y="5650347"/>
+                  <a:ext cx="3337560" cy="161899"/>
+                </a:xfrm>
+                <a:prstGeom prst="rect">
+                  <a:avLst/>
+                </a:prstGeom>
+                <a:solidFill>
+                  <a:srgbClr val="66CCFF"/>
+                </a:solidFill>
+                <a:ln>
+                  <a:noFill/>
+                </a:ln>
+              </p:spPr>
+              <p:style>
+                <a:lnRef idx="2">
+                  <a:schemeClr val="dk1"/>
+                </a:lnRef>
+                <a:fillRef idx="1">
+                  <a:schemeClr val="lt1"/>
+                </a:fillRef>
+                <a:effectRef idx="0">
+                  <a:schemeClr val="dk1"/>
+                </a:effectRef>
+                <a:fontRef idx="minor">
+                  <a:schemeClr val="dk1"/>
+                </a:fontRef>
+              </p:style>
+              <p:txBody>
+                <a:bodyPr rtlCol="0" anchor="ctr"/>
+                <a:lstStyle/>
+                <a:p>
+                  <a:pPr algn="ctr"/>
+                  <a:endParaRPr lang="en-US"/>
+                </a:p>
+              </p:txBody>
+            </p:sp>
+            <p:sp>
+              <p:nvSpPr>
+                <p:cNvPr id="208" name="Rectangle 207"/>
+                <p:cNvSpPr/>
+                <p:nvPr/>
+              </p:nvSpPr>
+              <p:spPr>
+                <a:xfrm>
+                  <a:off x="471809" y="5929746"/>
+                  <a:ext cx="3337560" cy="161899"/>
+                </a:xfrm>
+                <a:prstGeom prst="rect">
+                  <a:avLst/>
+                </a:prstGeom>
+                <a:solidFill>
+                  <a:srgbClr val="FFD348"/>
+                </a:solidFill>
+                <a:ln>
+                  <a:noFill/>
+                </a:ln>
+              </p:spPr>
+              <p:style>
+                <a:lnRef idx="2">
+                  <a:schemeClr val="dk1"/>
+                </a:lnRef>
+                <a:fillRef idx="1">
+                  <a:schemeClr val="lt1"/>
+                </a:fillRef>
+                <a:effectRef idx="0">
+                  <a:schemeClr val="dk1"/>
+                </a:effectRef>
+                <a:fontRef idx="minor">
+                  <a:schemeClr val="dk1"/>
+                </a:fontRef>
+              </p:style>
+              <p:txBody>
+                <a:bodyPr rtlCol="0" anchor="ctr"/>
+                <a:lstStyle/>
+                <a:p>
+                  <a:pPr algn="ctr"/>
+                  <a:endParaRPr lang="en-US"/>
+                </a:p>
+              </p:txBody>
+            </p:sp>
+          </p:grpSp>
+          <p:grpSp>
+            <p:nvGrpSpPr>
+              <p:cNvPr id="197" name="Group 196"/>
+              <p:cNvGrpSpPr/>
+              <p:nvPr/>
+            </p:nvGrpSpPr>
+            <p:grpSpPr>
+              <a:xfrm>
+                <a:off x="800953" y="6096000"/>
+                <a:ext cx="556731" cy="556731"/>
+                <a:chOff x="800953" y="6096000"/>
+                <a:chExt cx="556731" cy="556731"/>
+              </a:xfrm>
+            </p:grpSpPr>
+            <p:sp>
+              <p:nvSpPr>
+                <p:cNvPr id="193" name="Oval 192"/>
+                <p:cNvSpPr/>
+                <p:nvPr/>
+              </p:nvSpPr>
+              <p:spPr>
+                <a:xfrm>
+                  <a:off x="800953" y="6096000"/>
+                  <a:ext cx="556731" cy="556731"/>
+                </a:xfrm>
+                <a:prstGeom prst="ellipse">
+                  <a:avLst/>
+                </a:prstGeom>
+              </p:spPr>
+              <p:style>
+                <a:lnRef idx="2">
+                  <a:schemeClr val="dk1">
+                    <a:shade val="50000"/>
+                  </a:schemeClr>
+                </a:lnRef>
+                <a:fillRef idx="1">
+                  <a:schemeClr val="dk1"/>
+                </a:fillRef>
+                <a:effectRef idx="0">
+                  <a:schemeClr val="dk1"/>
+                </a:effectRef>
+                <a:fontRef idx="minor">
+                  <a:schemeClr val="lt1"/>
+                </a:fontRef>
+              </p:style>
+              <p:txBody>
+                <a:bodyPr rtlCol="0" anchor="ctr"/>
+                <a:lstStyle/>
+                <a:p>
+                  <a:pPr algn="ctr"/>
+                  <a:endParaRPr lang="en-US"/>
+                </a:p>
+              </p:txBody>
+            </p:sp>
+            <p:sp>
+              <p:nvSpPr>
+                <p:cNvPr id="196" name="Oval 195"/>
+                <p:cNvSpPr/>
+                <p:nvPr/>
+              </p:nvSpPr>
+              <p:spPr>
+                <a:xfrm>
+                  <a:off x="919661" y="6214708"/>
+                  <a:ext cx="319314" cy="319314"/>
+                </a:xfrm>
+                <a:prstGeom prst="ellipse">
+                  <a:avLst/>
+                </a:prstGeom>
+              </p:spPr>
+              <p:style>
+                <a:lnRef idx="2">
+                  <a:schemeClr val="dk1"/>
+                </a:lnRef>
+                <a:fillRef idx="1">
+                  <a:schemeClr val="lt1"/>
+                </a:fillRef>
+                <a:effectRef idx="0">
+                  <a:schemeClr val="dk1"/>
+                </a:effectRef>
+                <a:fontRef idx="minor">
+                  <a:schemeClr val="dk1"/>
+                </a:fontRef>
+              </p:style>
+              <p:txBody>
+                <a:bodyPr rtlCol="0" anchor="ctr"/>
+                <a:lstStyle/>
+                <a:p>
+                  <a:pPr algn="ctr"/>
+                  <a:endParaRPr lang="en-US"/>
+                </a:p>
+              </p:txBody>
+            </p:sp>
+          </p:grpSp>
+          <p:grpSp>
+            <p:nvGrpSpPr>
+              <p:cNvPr id="198" name="Group 197"/>
+              <p:cNvGrpSpPr/>
+              <p:nvPr/>
+            </p:nvGrpSpPr>
+            <p:grpSpPr>
+              <a:xfrm>
+                <a:off x="2950846" y="6096000"/>
+                <a:ext cx="556731" cy="556731"/>
+                <a:chOff x="800953" y="6096000"/>
+                <a:chExt cx="556731" cy="556731"/>
+              </a:xfrm>
+            </p:grpSpPr>
+            <p:sp>
+              <p:nvSpPr>
+                <p:cNvPr id="199" name="Oval 198"/>
+                <p:cNvSpPr/>
+                <p:nvPr/>
+              </p:nvSpPr>
+              <p:spPr>
+                <a:xfrm>
+                  <a:off x="800953" y="6096000"/>
+                  <a:ext cx="556731" cy="556731"/>
+                </a:xfrm>
+                <a:prstGeom prst="ellipse">
+                  <a:avLst/>
+                </a:prstGeom>
+              </p:spPr>
+              <p:style>
+                <a:lnRef idx="2">
+                  <a:schemeClr val="dk1">
+                    <a:shade val="50000"/>
+                  </a:schemeClr>
+                </a:lnRef>
+                <a:fillRef idx="1">
+                  <a:schemeClr val="dk1"/>
+                </a:fillRef>
+                <a:effectRef idx="0">
+                  <a:schemeClr val="dk1"/>
+                </a:effectRef>
+                <a:fontRef idx="minor">
+                  <a:schemeClr val="lt1"/>
+                </a:fontRef>
+              </p:style>
+              <p:txBody>
+                <a:bodyPr rtlCol="0" anchor="ctr"/>
+                <a:lstStyle/>
+                <a:p>
+                  <a:pPr algn="ctr"/>
+                  <a:endParaRPr lang="en-US"/>
+                </a:p>
+              </p:txBody>
+            </p:sp>
+            <p:sp>
+              <p:nvSpPr>
+                <p:cNvPr id="200" name="Oval 199"/>
+                <p:cNvSpPr/>
+                <p:nvPr/>
+              </p:nvSpPr>
+              <p:spPr>
+                <a:xfrm>
+                  <a:off x="919661" y="6214708"/>
+                  <a:ext cx="319314" cy="319314"/>
+                </a:xfrm>
+                <a:prstGeom prst="ellipse">
+                  <a:avLst/>
+                </a:prstGeom>
+              </p:spPr>
+              <p:style>
+                <a:lnRef idx="2">
+                  <a:schemeClr val="dk1"/>
+                </a:lnRef>
+                <a:fillRef idx="1">
+                  <a:schemeClr val="lt1"/>
+                </a:fillRef>
+                <a:effectRef idx="0">
+                  <a:schemeClr val="dk1"/>
+                </a:effectRef>
+                <a:fontRef idx="minor">
+                  <a:schemeClr val="dk1"/>
+                </a:fontRef>
+              </p:style>
+              <p:txBody>
+                <a:bodyPr rtlCol="0" anchor="ctr"/>
+                <a:lstStyle/>
+                <a:p>
+                  <a:pPr algn="ctr"/>
+                  <a:endParaRPr lang="en-US"/>
+                </a:p>
+              </p:txBody>
+            </p:sp>
+          </p:grpSp>
+        </p:grpSp>
+        <p:pic>
+          <p:nvPicPr>
+            <p:cNvPr id="9" name="Picture 8"/>
+            <p:cNvPicPr>
+              <a:picLocks noChangeAspect="1"/>
+            </p:cNvPicPr>
+            <p:nvPr/>
+          </p:nvPicPr>
+          <p:blipFill>
+            <a:blip r:embed="rId5">
+              <a:extLst>
+                <a:ext uri="{28A0092B-C50C-407E-A947-70E740481C1C}">
+                  <a14:useLocalDpi xmlns:a14="http://schemas.microsoft.com/office/drawing/2010/main" val="0"/>
+                </a:ext>
+              </a:extLst>
+            </a:blip>
+            <a:stretch>
+              <a:fillRect/>
+            </a:stretch>
+          </p:blipFill>
+          <p:spPr>
+            <a:xfrm rot="20700000">
+              <a:off x="1838201" y="5006132"/>
+              <a:ext cx="1264113" cy="1264113"/>
+            </a:xfrm>
+            <a:prstGeom prst="rect">
+              <a:avLst/>
+            </a:prstGeom>
+          </p:spPr>
+        </p:pic>
+      </p:grpSp>
+      <p:grpSp>
+        <p:nvGrpSpPr>
+          <p:cNvPr id="29" name="Group 28"/>
+          <p:cNvGrpSpPr/>
+          <p:nvPr/>
+        </p:nvGrpSpPr>
+        <p:grpSpPr>
+          <a:xfrm>
+            <a:off x="5003785" y="398012"/>
+            <a:ext cx="3383280" cy="2934606"/>
+            <a:chOff x="5003785" y="398012"/>
+            <a:chExt cx="3383280" cy="2934606"/>
+          </a:xfrm>
+        </p:grpSpPr>
+        <p:grpSp>
+          <p:nvGrpSpPr>
+            <p:cNvPr id="147" name="Group 146"/>
+            <p:cNvGrpSpPr/>
+            <p:nvPr/>
+          </p:nvGrpSpPr>
+          <p:grpSpPr>
+            <a:xfrm>
+              <a:off x="5003785" y="398012"/>
+              <a:ext cx="3383280" cy="2934606"/>
+              <a:chOff x="448718" y="3718125"/>
+              <a:chExt cx="3383280" cy="2934606"/>
+            </a:xfrm>
+          </p:grpSpPr>
+          <p:grpSp>
+            <p:nvGrpSpPr>
+              <p:cNvPr id="148" name="Group 147"/>
+              <p:cNvGrpSpPr/>
+              <p:nvPr/>
+            </p:nvGrpSpPr>
+            <p:grpSpPr>
+              <a:xfrm>
+                <a:off x="448718" y="3718125"/>
+                <a:ext cx="3383280" cy="2643253"/>
+                <a:chOff x="448718" y="3718125"/>
+                <a:chExt cx="3383280" cy="2643253"/>
+              </a:xfrm>
+            </p:grpSpPr>
+            <p:sp>
+              <p:nvSpPr>
+                <p:cNvPr id="156" name="Rectangle 155"/>
+                <p:cNvSpPr/>
+                <p:nvPr/>
+              </p:nvSpPr>
+              <p:spPr>
+                <a:xfrm>
+                  <a:off x="1344892" y="4289625"/>
+                  <a:ext cx="45719" cy="190739"/>
+                </a:xfrm>
+                <a:prstGeom prst="rect">
+                  <a:avLst/>
+                </a:prstGeom>
+              </p:spPr>
+              <p:style>
+                <a:lnRef idx="2">
+                  <a:schemeClr val="dk1">
+                    <a:shade val="50000"/>
+                  </a:schemeClr>
+                </a:lnRef>
+                <a:fillRef idx="1">
+                  <a:schemeClr val="dk1"/>
+                </a:fillRef>
+                <a:effectRef idx="0">
+                  <a:schemeClr val="dk1"/>
+                </a:effectRef>
+                <a:fontRef idx="minor">
+                  <a:schemeClr val="lt1"/>
+                </a:fontRef>
+              </p:style>
+              <p:txBody>
+                <a:bodyPr rtlCol="0" anchor="ctr"/>
+                <a:lstStyle/>
+                <a:p>
+                  <a:pPr algn="ctr"/>
+                  <a:endParaRPr lang="en-US"/>
+                </a:p>
+              </p:txBody>
+            </p:sp>
+            <p:sp>
+              <p:nvSpPr>
+                <p:cNvPr id="157" name="Rectangle 156"/>
+                <p:cNvSpPr/>
+                <p:nvPr/>
+              </p:nvSpPr>
+              <p:spPr>
+                <a:xfrm>
+                  <a:off x="3665691" y="4305500"/>
+                  <a:ext cx="45719" cy="190739"/>
+                </a:xfrm>
+                <a:prstGeom prst="rect">
+                  <a:avLst/>
+                </a:prstGeom>
+              </p:spPr>
+              <p:style>
+                <a:lnRef idx="2">
+                  <a:schemeClr val="dk1">
+                    <a:shade val="50000"/>
+                  </a:schemeClr>
+                </a:lnRef>
+                <a:fillRef idx="1">
+                  <a:schemeClr val="dk1"/>
+                </a:fillRef>
+                <a:effectRef idx="0">
+                  <a:schemeClr val="dk1"/>
+                </a:effectRef>
+                <a:fontRef idx="minor">
+                  <a:schemeClr val="lt1"/>
+                </a:fontRef>
+              </p:style>
+              <p:txBody>
+                <a:bodyPr rtlCol="0" anchor="ctr"/>
+                <a:lstStyle/>
+                <a:p>
+                  <a:pPr algn="ctr"/>
+                  <a:endParaRPr lang="en-US"/>
+                </a:p>
+              </p:txBody>
+            </p:sp>
+            <p:sp>
+              <p:nvSpPr>
+                <p:cNvPr id="159" name="Rectangle 158"/>
+                <p:cNvSpPr/>
+                <p:nvPr/>
+              </p:nvSpPr>
+              <p:spPr>
+                <a:xfrm>
+                  <a:off x="1139280" y="3718125"/>
+                  <a:ext cx="2692717" cy="587375"/>
+                </a:xfrm>
+                <a:prstGeom prst="rect">
+                  <a:avLst/>
+                </a:prstGeom>
+              </p:spPr>
+              <p:style>
+                <a:lnRef idx="2">
+                  <a:schemeClr val="dk1"/>
+                </a:lnRef>
+                <a:fillRef idx="1">
+                  <a:schemeClr val="lt1"/>
+                </a:fillRef>
+                <a:effectRef idx="0">
+                  <a:schemeClr val="dk1"/>
+                </a:effectRef>
+                <a:fontRef idx="minor">
+                  <a:schemeClr val="dk1"/>
+                </a:fontRef>
+              </p:style>
+              <p:txBody>
+                <a:bodyPr rtlCol="0" anchor="ctr"/>
+                <a:lstStyle/>
+                <a:p>
+                  <a:pPr algn="ctr"/>
+                  <a:r>
+                    <a:rPr lang="en-US" sz="2800" dirty="0" smtClean="0">
+                      <a:latin typeface="Rockwell"/>
+                      <a:cs typeface="Rockwell"/>
+                    </a:rPr>
+                    <a:t>BURGER BARN</a:t>
+                  </a:r>
+                  <a:endParaRPr lang="en-US" sz="2800" dirty="0">
+                    <a:latin typeface="Rockwell"/>
+                    <a:cs typeface="Rockwell"/>
+                  </a:endParaRPr>
+                </a:p>
+              </p:txBody>
+            </p:sp>
+            <p:sp>
+              <p:nvSpPr>
+                <p:cNvPr id="164" name="Rectangle 168"/>
+                <p:cNvSpPr/>
+                <p:nvPr/>
+              </p:nvSpPr>
+              <p:spPr>
+                <a:xfrm>
+                  <a:off x="448718" y="4480364"/>
+                  <a:ext cx="3383280" cy="1881014"/>
+                </a:xfrm>
+                <a:custGeom>
+                  <a:avLst/>
+                  <a:gdLst/>
+                  <a:ahLst/>
+                  <a:cxnLst/>
+                  <a:rect l="l" t="t" r="r" b="b"/>
+                  <a:pathLst>
+                    <a:path w="3383280" h="1881014">
+                      <a:moveTo>
+                        <a:pt x="782490" y="0"/>
+                      </a:moveTo>
+                      <a:lnTo>
+                        <a:pt x="3383280" y="0"/>
+                      </a:lnTo>
+                      <a:lnTo>
+                        <a:pt x="3383280" y="1881014"/>
+                      </a:lnTo>
+                      <a:lnTo>
+                        <a:pt x="0" y="1881014"/>
+                      </a:lnTo>
+                      <a:lnTo>
+                        <a:pt x="0" y="1121651"/>
+                      </a:lnTo>
+                      <a:lnTo>
+                        <a:pt x="300207" y="975857"/>
+                      </a:lnTo>
+                      <a:lnTo>
+                        <a:pt x="300207" y="993082"/>
+                      </a:lnTo>
+                      <a:lnTo>
+                        <a:pt x="311154" y="970541"/>
+                      </a:lnTo>
+                      <a:lnTo>
+                        <a:pt x="341690" y="955711"/>
+                      </a:lnTo>
+                      <a:lnTo>
+                        <a:pt x="318356" y="955711"/>
+                      </a:lnTo>
+                      <a:close/>
+                    </a:path>
+                  </a:pathLst>
+                </a:custGeom>
+                <a:pattFill prst="ltVert">
+                  <a:fgClr>
+                    <a:srgbClr val="EC0506"/>
+                  </a:fgClr>
+                  <a:bgClr>
+                    <a:srgbClr val="FF0000"/>
+                  </a:bgClr>
+                </a:pattFill>
+                <a:ln/>
+              </p:spPr>
+              <p:style>
+                <a:lnRef idx="2">
+                  <a:schemeClr val="dk1"/>
+                </a:lnRef>
+                <a:fillRef idx="1">
+                  <a:schemeClr val="lt1"/>
+                </a:fillRef>
+                <a:effectRef idx="0">
+                  <a:schemeClr val="dk1"/>
+                </a:effectRef>
+                <a:fontRef idx="minor">
+                  <a:schemeClr val="dk1"/>
+                </a:fontRef>
+              </p:style>
+              <p:txBody>
+                <a:bodyPr rtlCol="0" anchor="ctr"/>
+                <a:lstStyle/>
+                <a:p>
+                  <a:pPr algn="ctr"/>
+                  <a:endParaRPr lang="en-US"/>
+                </a:p>
+              </p:txBody>
+            </p:sp>
+            <p:grpSp>
+              <p:nvGrpSpPr>
+                <p:cNvPr id="165" name="Group 164"/>
+                <p:cNvGrpSpPr/>
+                <p:nvPr/>
+              </p:nvGrpSpPr>
+              <p:grpSpPr>
+                <a:xfrm>
+                  <a:off x="1710046" y="4614690"/>
+                  <a:ext cx="1882195" cy="803982"/>
+                  <a:chOff x="1625382" y="4880780"/>
+                  <a:chExt cx="1444172" cy="925286"/>
+                </a:xfrm>
+              </p:grpSpPr>
+              <p:sp>
+                <p:nvSpPr>
+                  <p:cNvPr id="175" name="Rectangle 174"/>
+                  <p:cNvSpPr/>
+                  <p:nvPr/>
+                </p:nvSpPr>
+                <p:spPr>
+                  <a:xfrm>
+                    <a:off x="1625382" y="4880780"/>
+                    <a:ext cx="1444172" cy="925286"/>
+                  </a:xfrm>
+                  <a:prstGeom prst="rect">
+                    <a:avLst/>
+                  </a:prstGeom>
+                  <a:solidFill>
+                    <a:schemeClr val="accent1">
+                      <a:lumMod val="20000"/>
+                      <a:lumOff val="80000"/>
+                    </a:schemeClr>
+                  </a:solidFill>
+                  <a:ln w="38100" cmpd="sng">
+                    <a:solidFill>
+                      <a:schemeClr val="accent1">
+                        <a:lumMod val="60000"/>
+                        <a:lumOff val="40000"/>
+                      </a:schemeClr>
+                    </a:solidFill>
+                  </a:ln>
+                </p:spPr>
+                <p:style>
+                  <a:lnRef idx="2">
+                    <a:schemeClr val="dk1"/>
+                  </a:lnRef>
+                  <a:fillRef idx="1">
+                    <a:schemeClr val="lt1"/>
+                  </a:fillRef>
+                  <a:effectRef idx="0">
+                    <a:schemeClr val="dk1"/>
+                  </a:effectRef>
+                  <a:fontRef idx="minor">
+                    <a:schemeClr val="dk1"/>
+                  </a:fontRef>
+                </p:style>
+                <p:txBody>
+                  <a:bodyPr rtlCol="0" anchor="ctr"/>
+                  <a:lstStyle/>
+                  <a:p>
+                    <a:pPr algn="ctr"/>
+                    <a:endParaRPr lang="en-US"/>
+                  </a:p>
+                </p:txBody>
+              </p:sp>
+              <p:sp>
+                <p:nvSpPr>
+                  <p:cNvPr id="176" name="Parallelogram 175"/>
+                  <p:cNvSpPr/>
+                  <p:nvPr/>
+                </p:nvSpPr>
+                <p:spPr>
+                  <a:xfrm>
+                    <a:off x="2047441" y="4920944"/>
+                    <a:ext cx="676656" cy="855917"/>
+                  </a:xfrm>
+                  <a:prstGeom prst="parallelogram">
+                    <a:avLst>
+                      <a:gd name="adj" fmla="val 65219"/>
+                    </a:avLst>
+                  </a:prstGeom>
+                  <a:solidFill>
+                    <a:schemeClr val="bg1"/>
+                  </a:solidFill>
+                  <a:ln>
+                    <a:noFill/>
+                  </a:ln>
+                </p:spPr>
+                <p:style>
+                  <a:lnRef idx="2">
+                    <a:schemeClr val="dk1"/>
+                  </a:lnRef>
+                  <a:fillRef idx="1">
+                    <a:schemeClr val="lt1"/>
+                  </a:fillRef>
+                  <a:effectRef idx="0">
+                    <a:schemeClr val="dk1"/>
+                  </a:effectRef>
+                  <a:fontRef idx="minor">
+                    <a:schemeClr val="dk1"/>
+                  </a:fontRef>
+                </p:style>
+                <p:txBody>
+                  <a:bodyPr rtlCol="0" anchor="ctr"/>
+                  <a:lstStyle/>
+                  <a:p>
+                    <a:pPr algn="ctr"/>
+                    <a:endParaRPr lang="en-US"/>
+                  </a:p>
+                </p:txBody>
+              </p:sp>
+            </p:grpSp>
+            <p:sp>
+              <p:nvSpPr>
+                <p:cNvPr id="170" name="Rectangle 169"/>
+                <p:cNvSpPr/>
+                <p:nvPr/>
+              </p:nvSpPr>
+              <p:spPr>
+                <a:xfrm>
+                  <a:off x="1659034" y="5418672"/>
+                  <a:ext cx="2029968" cy="84667"/>
+                </a:xfrm>
+                <a:prstGeom prst="rect">
+                  <a:avLst/>
+                </a:prstGeom>
+                <a:solidFill>
+                  <a:srgbClr val="FF0000"/>
+                </a:solidFill>
+                <a:ln>
+                  <a:noFill/>
+                </a:ln>
+              </p:spPr>
+              <p:style>
+                <a:lnRef idx="2">
+                  <a:schemeClr val="dk1"/>
+                </a:lnRef>
+                <a:fillRef idx="1">
+                  <a:schemeClr val="lt1"/>
+                </a:fillRef>
+                <a:effectRef idx="0">
+                  <a:schemeClr val="dk1"/>
+                </a:effectRef>
+                <a:fontRef idx="minor">
+                  <a:schemeClr val="dk1"/>
+                </a:fontRef>
+              </p:style>
+              <p:txBody>
+                <a:bodyPr rtlCol="0" anchor="ctr"/>
+                <a:lstStyle/>
+                <a:p>
+                  <a:pPr algn="ctr"/>
+                  <a:endParaRPr lang="en-US"/>
+                </a:p>
+              </p:txBody>
+            </p:sp>
+            <p:sp>
+              <p:nvSpPr>
+                <p:cNvPr id="172" name="Isosceles Triangle 171"/>
+                <p:cNvSpPr/>
+                <p:nvPr/>
+              </p:nvSpPr>
+              <p:spPr>
+                <a:xfrm>
+                  <a:off x="929988" y="4649589"/>
+                  <a:ext cx="418586" cy="753539"/>
+                </a:xfrm>
+                <a:prstGeom prst="triangle">
+                  <a:avLst>
+                    <a:gd name="adj" fmla="val 85841"/>
+                  </a:avLst>
+                </a:prstGeom>
+                <a:solidFill>
+                  <a:schemeClr val="accent1">
+                    <a:lumMod val="20000"/>
+                    <a:lumOff val="80000"/>
+                  </a:schemeClr>
+                </a:solidFill>
+                <a:ln>
+                  <a:solidFill>
+                    <a:schemeClr val="accent1">
+                      <a:lumMod val="60000"/>
+                      <a:lumOff val="40000"/>
+                    </a:schemeClr>
+                  </a:solidFill>
+                </a:ln>
+              </p:spPr>
+              <p:style>
+                <a:lnRef idx="2">
+                  <a:schemeClr val="dk1"/>
+                </a:lnRef>
+                <a:fillRef idx="1">
+                  <a:schemeClr val="lt1"/>
+                </a:fillRef>
+                <a:effectRef idx="0">
+                  <a:schemeClr val="dk1"/>
+                </a:effectRef>
+                <a:fontRef idx="minor">
+                  <a:schemeClr val="dk1"/>
+                </a:fontRef>
+              </p:style>
+              <p:txBody>
+                <a:bodyPr rtlCol="0" anchor="ctr"/>
+                <a:lstStyle/>
+                <a:p>
+                  <a:pPr algn="ctr"/>
+                  <a:endParaRPr lang="en-US" dirty="0"/>
+                </a:p>
+              </p:txBody>
+            </p:sp>
+          </p:grpSp>
+          <p:grpSp>
+            <p:nvGrpSpPr>
+              <p:cNvPr id="149" name="Group 148"/>
+              <p:cNvGrpSpPr/>
+              <p:nvPr/>
+            </p:nvGrpSpPr>
+            <p:grpSpPr>
+              <a:xfrm>
+                <a:off x="800953" y="6096000"/>
+                <a:ext cx="556731" cy="556731"/>
+                <a:chOff x="800953" y="6096000"/>
+                <a:chExt cx="556731" cy="556731"/>
+              </a:xfrm>
+            </p:grpSpPr>
+            <p:sp>
+              <p:nvSpPr>
+                <p:cNvPr id="153" name="Oval 152"/>
+                <p:cNvSpPr/>
+                <p:nvPr/>
+              </p:nvSpPr>
+              <p:spPr>
+                <a:xfrm>
+                  <a:off x="800953" y="6096000"/>
+                  <a:ext cx="556731" cy="556731"/>
+                </a:xfrm>
+                <a:prstGeom prst="ellipse">
+                  <a:avLst/>
+                </a:prstGeom>
+              </p:spPr>
+              <p:style>
+                <a:lnRef idx="2">
+                  <a:schemeClr val="dk1">
+                    <a:shade val="50000"/>
+                  </a:schemeClr>
+                </a:lnRef>
+                <a:fillRef idx="1">
+                  <a:schemeClr val="dk1"/>
+                </a:fillRef>
+                <a:effectRef idx="0">
+                  <a:schemeClr val="dk1"/>
+                </a:effectRef>
+                <a:fontRef idx="minor">
+                  <a:schemeClr val="lt1"/>
+                </a:fontRef>
+              </p:style>
+              <p:txBody>
+                <a:bodyPr rtlCol="0" anchor="ctr"/>
+                <a:lstStyle/>
+                <a:p>
+                  <a:pPr algn="ctr"/>
+                  <a:endParaRPr lang="en-US"/>
+                </a:p>
+              </p:txBody>
+            </p:sp>
+            <p:sp>
+              <p:nvSpPr>
+                <p:cNvPr id="155" name="Oval 154"/>
+                <p:cNvSpPr/>
+                <p:nvPr/>
+              </p:nvSpPr>
+              <p:spPr>
+                <a:xfrm>
+                  <a:off x="919661" y="6214708"/>
+                  <a:ext cx="319314" cy="319314"/>
+                </a:xfrm>
+                <a:prstGeom prst="ellipse">
+                  <a:avLst/>
+                </a:prstGeom>
+              </p:spPr>
+              <p:style>
+                <a:lnRef idx="2">
+                  <a:schemeClr val="dk1"/>
+                </a:lnRef>
+                <a:fillRef idx="1">
+                  <a:schemeClr val="lt1"/>
+                </a:fillRef>
+                <a:effectRef idx="0">
+                  <a:schemeClr val="dk1"/>
+                </a:effectRef>
+                <a:fontRef idx="minor">
+                  <a:schemeClr val="dk1"/>
+                </a:fontRef>
+              </p:style>
+              <p:txBody>
+                <a:bodyPr rtlCol="0" anchor="ctr"/>
+                <a:lstStyle/>
+                <a:p>
+                  <a:pPr algn="ctr"/>
+                  <a:endParaRPr lang="en-US"/>
+                </a:p>
+              </p:txBody>
+            </p:sp>
+          </p:grpSp>
+          <p:grpSp>
+            <p:nvGrpSpPr>
+              <p:cNvPr id="150" name="Group 149"/>
+              <p:cNvGrpSpPr/>
+              <p:nvPr/>
+            </p:nvGrpSpPr>
+            <p:grpSpPr>
+              <a:xfrm>
+                <a:off x="2950846" y="6096000"/>
+                <a:ext cx="556731" cy="556731"/>
+                <a:chOff x="800953" y="6096000"/>
+                <a:chExt cx="556731" cy="556731"/>
+              </a:xfrm>
+            </p:grpSpPr>
+            <p:sp>
+              <p:nvSpPr>
+                <p:cNvPr id="151" name="Oval 150"/>
+                <p:cNvSpPr/>
+                <p:nvPr/>
+              </p:nvSpPr>
+              <p:spPr>
+                <a:xfrm>
+                  <a:off x="800953" y="6096000"/>
+                  <a:ext cx="556731" cy="556731"/>
+                </a:xfrm>
+                <a:prstGeom prst="ellipse">
+                  <a:avLst/>
+                </a:prstGeom>
+              </p:spPr>
+              <p:style>
+                <a:lnRef idx="2">
+                  <a:schemeClr val="dk1">
+                    <a:shade val="50000"/>
+                  </a:schemeClr>
+                </a:lnRef>
+                <a:fillRef idx="1">
+                  <a:schemeClr val="dk1"/>
+                </a:fillRef>
+                <a:effectRef idx="0">
+                  <a:schemeClr val="dk1"/>
+                </a:effectRef>
+                <a:fontRef idx="minor">
+                  <a:schemeClr val="lt1"/>
+                </a:fontRef>
+              </p:style>
+              <p:txBody>
+                <a:bodyPr rtlCol="0" anchor="ctr"/>
+                <a:lstStyle/>
+                <a:p>
+                  <a:pPr algn="ctr"/>
+                  <a:endParaRPr lang="en-US"/>
+                </a:p>
+              </p:txBody>
+            </p:sp>
+            <p:sp>
+              <p:nvSpPr>
+                <p:cNvPr id="152" name="Oval 151"/>
+                <p:cNvSpPr/>
+                <p:nvPr/>
+              </p:nvSpPr>
+              <p:spPr>
+                <a:xfrm>
+                  <a:off x="919661" y="6214708"/>
+                  <a:ext cx="319314" cy="319314"/>
+                </a:xfrm>
+                <a:prstGeom prst="ellipse">
+                  <a:avLst/>
+                </a:prstGeom>
+              </p:spPr>
+              <p:style>
+                <a:lnRef idx="2">
+                  <a:schemeClr val="dk1"/>
+                </a:lnRef>
+                <a:fillRef idx="1">
+                  <a:schemeClr val="lt1"/>
+                </a:fillRef>
+                <a:effectRef idx="0">
+                  <a:schemeClr val="dk1"/>
+                </a:effectRef>
+                <a:fontRef idx="minor">
+                  <a:schemeClr val="dk1"/>
+                </a:fontRef>
+              </p:style>
+              <p:txBody>
+                <a:bodyPr rtlCol="0" anchor="ctr"/>
+                <a:lstStyle/>
+                <a:p>
+                  <a:pPr algn="ctr"/>
+                  <a:endParaRPr lang="en-US"/>
+                </a:p>
+              </p:txBody>
+            </p:sp>
+          </p:grpSp>
+        </p:grpSp>
+        <p:pic>
+          <p:nvPicPr>
+            <p:cNvPr id="25" name="Picture 24" descr="006-hamburger.png"/>
+            <p:cNvPicPr>
+              <a:picLocks noChangeAspect="1"/>
+            </p:cNvPicPr>
+            <p:nvPr/>
+          </p:nvPicPr>
+          <p:blipFill>
+            <a:blip r:embed="rId6">
+              <a:extLst>
+                <a:ext uri="{28A0092B-C50C-407E-A947-70E740481C1C}">
+                  <a14:useLocalDpi xmlns:a14="http://schemas.microsoft.com/office/drawing/2010/main" val="0"/>
+                </a:ext>
+              </a:extLst>
+            </a:blip>
+            <a:stretch>
+              <a:fillRect/>
+            </a:stretch>
+          </p:blipFill>
+          <p:spPr>
+            <a:xfrm>
+              <a:off x="6466417" y="2015386"/>
+              <a:ext cx="1060628" cy="1060628"/>
+            </a:xfrm>
+            <a:prstGeom prst="rect">
+              <a:avLst/>
+            </a:prstGeom>
+          </p:spPr>
+        </p:pic>
+      </p:grpSp>
+    </p:spTree>
+    <p:extLst>
+      <p:ext uri="{BB962C8B-B14F-4D97-AF65-F5344CB8AC3E}">
+        <p14:creationId xmlns:p14="http://schemas.microsoft.com/office/powerpoint/2010/main" val="472189882"/>
+      </p:ext>
+    </p:extLst>
+  </p:cSld>
+  <p:clrMapOvr>
+    <a:masterClrMapping/>
+  </p:clrMapOvr>
+  <p:timing>
+    <p:tnLst>
+      <p:par>
+        <p:cTn xmlns:p14="http://schemas.microsoft.com/office/powerpoint/2010/main" id="1" dur="indefinite" restart="never" nodeType="tmRoot"/>
+      </p:par>
+    </p:tnLst>
+  </p:timing>
+</p:sld>
+</file>
+
+<file path=ppt/slides/slide4.xml><?xml version="1.0" encoding="utf-8"?>
 <p:sld xmlns:a="http://schemas.openxmlformats.org/drawingml/2006/main" xmlns:r="http://schemas.openxmlformats.org/officeDocument/2006/relationships" xmlns:p="http://schemas.openxmlformats.org/presentationml/2006/main">
   <p:cSld>
     <p:spTree>
@@ -6681,10 +9044,17 @@
   <p:clrMapOvr>
     <a:masterClrMapping/>
   </p:clrMapOvr>
+  <p:timing>
+    <p:tnLst>
+      <p:par>
+        <p:cTn xmlns:p14="http://schemas.microsoft.com/office/powerpoint/2010/main" id="1" dur="indefinite" restart="never" nodeType="tmRoot"/>
+      </p:par>
+    </p:tnLst>
+  </p:timing>
 </p:sld>
 </file>
 
-<file path=ppt/slides/slide4.xml><?xml version="1.0" encoding="utf-8"?>
+<file path=ppt/slides/slide5.xml><?xml version="1.0" encoding="utf-8"?>
 <p:sld xmlns:a="http://schemas.openxmlformats.org/drawingml/2006/main" xmlns:r="http://schemas.openxmlformats.org/officeDocument/2006/relationships" xmlns:p="http://schemas.openxmlformats.org/presentationml/2006/main">
   <p:cSld>
     <p:spTree>
@@ -7494,7 +9864,7 @@
 </p:sld>
 </file>
 
-<file path=ppt/slides/slide5.xml><?xml version="1.0" encoding="utf-8"?>
+<file path=ppt/slides/slide6.xml><?xml version="1.0" encoding="utf-8"?>
 <p:sld xmlns:a="http://schemas.openxmlformats.org/drawingml/2006/main" xmlns:r="http://schemas.openxmlformats.org/officeDocument/2006/relationships" xmlns:p="http://schemas.openxmlformats.org/presentationml/2006/main">
   <p:cSld>
     <p:spTree>
@@ -7566,7 +9936,7 @@
 </p:sld>
 </file>
 
-<file path=ppt/slides/slide6.xml><?xml version="1.0" encoding="utf-8"?>
+<file path=ppt/slides/slide7.xml><?xml version="1.0" encoding="utf-8"?>
 <p:sld xmlns:a="http://schemas.openxmlformats.org/drawingml/2006/main" xmlns:r="http://schemas.openxmlformats.org/officeDocument/2006/relationships" xmlns:p="http://schemas.openxmlformats.org/presentationml/2006/main">
   <p:cSld>
     <p:spTree>
@@ -9737,14 +12107,7 @@
                     <a:latin typeface="Chewy"/>
                     <a:cs typeface="Chewy"/>
                   </a:rPr>
-                  <a:t>TACO </a:t>
-                </a:r>
-                <a:r>
-                  <a:rPr lang="en-US" sz="1600" b="1" dirty="0" smtClean="0">
-                    <a:latin typeface="Chewy"/>
-                    <a:cs typeface="Chewy"/>
-                  </a:rPr>
-                  <a:t>TOWN</a:t>
+                  <a:t>TACO TOWN</a:t>
                 </a:r>
                 <a:endParaRPr lang="en-US" sz="1600" b="1" dirty="0">
                   <a:latin typeface="Chewy"/>

--- a/stimuli/restaurants.pptx
+++ b/stimuli/restaurants.pptx
@@ -6870,14 +6870,7 @@
                   <a:latin typeface="ADAM.CG PRO"/>
                   <a:cs typeface="ADAM.CG PRO"/>
                 </a:rPr>
-                <a:t>Stir-fry </a:t>
-              </a:r>
-              <a:r>
-                <a:rPr lang="en-US" sz="2400" b="1" dirty="0" smtClean="0">
-                  <a:latin typeface="ADAM.CG PRO"/>
-                  <a:cs typeface="ADAM.CG PRO"/>
-                </a:rPr>
-                <a:t>Shack</a:t>
+                <a:t>Stir-fry Shack</a:t>
               </a:r>
               <a:endParaRPr lang="en-US" sz="2400" b="1" dirty="0">
                 <a:latin typeface="ADAM.CG PRO"/>
@@ -7448,11 +7441,7 @@
           <a:p>
             <a:r>
               <a:rPr lang="en-US" dirty="0" smtClean="0"/>
-              <a:t>V2 – 3 </a:t>
-            </a:r>
-            <a:r>
-              <a:rPr lang="en-US" dirty="0" smtClean="0"/>
-              <a:t>food trucks</a:t>
+              <a:t>V2 – 3 food trucks</a:t>
             </a:r>
             <a:endParaRPr lang="en-US" dirty="0"/>
           </a:p>
@@ -8494,10 +8483,10 @@
                 </a:custGeom>
                 <a:pattFill prst="ltVert">
                   <a:fgClr>
-                    <a:srgbClr val="EC0506"/>
+                    <a:srgbClr val="B80704"/>
                   </a:fgClr>
                   <a:bgClr>
-                    <a:srgbClr val="FF0000"/>
+                    <a:srgbClr val="EC0506"/>
                   </a:bgClr>
                 </a:pattFill>
                 <a:ln/>
